--- a/JS_object/JSON.pptx
+++ b/JS_object/JSON.pptx
@@ -5,7 +5,7 @@
     <p:sldMasterId id="2147483745" r:id="rId1"/>
   </p:sldMasterIdLst>
   <p:notesMasterIdLst>
-    <p:notesMasterId r:id="rId15"/>
+    <p:notesMasterId r:id="rId16"/>
   </p:notesMasterIdLst>
   <p:sldIdLst>
     <p:sldId id="257" r:id="rId2"/>
@@ -14,13 +14,14 @@
     <p:sldId id="386" r:id="rId5"/>
     <p:sldId id="387" r:id="rId6"/>
     <p:sldId id="388" r:id="rId7"/>
-    <p:sldId id="395" r:id="rId8"/>
-    <p:sldId id="392" r:id="rId9"/>
-    <p:sldId id="394" r:id="rId10"/>
-    <p:sldId id="389" r:id="rId11"/>
-    <p:sldId id="391" r:id="rId12"/>
-    <p:sldId id="390" r:id="rId13"/>
-    <p:sldId id="384" r:id="rId14"/>
+    <p:sldId id="396" r:id="rId8"/>
+    <p:sldId id="395" r:id="rId9"/>
+    <p:sldId id="392" r:id="rId10"/>
+    <p:sldId id="394" r:id="rId11"/>
+    <p:sldId id="389" r:id="rId12"/>
+    <p:sldId id="391" r:id="rId13"/>
+    <p:sldId id="390" r:id="rId14"/>
+    <p:sldId id="384" r:id="rId15"/>
   </p:sldIdLst>
   <p:sldSz cx="9144000" cy="6858000" type="screen4x3"/>
   <p:notesSz cx="6858000" cy="9144000"/>
@@ -250,7 +251,7 @@
               <a:pPr>
                 <a:defRPr/>
               </a:pPr>
-              <a:t>2019/4/7</a:t>
+              <a:t>2019/4/8</a:t>
             </a:fld>
             <a:endParaRPr lang="zh-TW" altLang="en-US"/>
           </a:p>
@@ -1679,7 +1680,7 @@
                   <a:spcPct val="0"/>
                 </a:spcBef>
               </a:pPr>
-              <a:t>8</a:t>
+              <a:t>7</a:t>
             </a:fld>
             <a:endParaRPr lang="zh-TW" altLang="en-US" smtClean="0">
               <a:latin typeface="Arial" charset="0"/>
@@ -2563,6 +2564,289 @@
       </p:grpSpPr>
       <p:sp>
         <p:nvSpPr>
+          <p:cNvPr id="22530" name="投影片圖像版面配置區 1"/>
+          <p:cNvSpPr>
+            <a:spLocks noGrp="1" noRot="1" noChangeAspect="1" noTextEdit="1"/>
+          </p:cNvSpPr>
+          <p:nvPr>
+            <p:ph type="sldImg"/>
+          </p:nvPr>
+        </p:nvSpPr>
+        <p:spPr bwMode="auto">
+          <a:noFill/>
+          <a:ln>
+            <a:solidFill>
+              <a:srgbClr val="000000"/>
+            </a:solidFill>
+            <a:miter lim="800000"/>
+            <a:headEnd/>
+            <a:tailEnd/>
+          </a:ln>
+          <a:extLst>
+            <a:ext uri="{909E8E84-426E-40DD-AFC4-6F175D3DCCD1}">
+              <a14:hiddenFill xmlns:a14="http://schemas.microsoft.com/office/drawing/2010/main">
+                <a:solidFill>
+                  <a:srgbClr val="FFFFFF"/>
+                </a:solidFill>
+              </a14:hiddenFill>
+            </a:ext>
+          </a:extLst>
+        </p:spPr>
+      </p:sp>
+      <p:sp>
+        <p:nvSpPr>
+          <p:cNvPr id="22531" name="備忘稿版面配置區 2"/>
+          <p:cNvSpPr>
+            <a:spLocks noGrp="1"/>
+          </p:cNvSpPr>
+          <p:nvPr>
+            <p:ph type="body" idx="1"/>
+          </p:nvPr>
+        </p:nvSpPr>
+        <p:spPr bwMode="auto">
+          <a:noFill/>
+          <a:extLst>
+            <a:ext uri="{909E8E84-426E-40DD-AFC4-6F175D3DCCD1}">
+              <a14:hiddenFill xmlns:a14="http://schemas.microsoft.com/office/drawing/2010/main">
+                <a:solidFill>
+                  <a:srgbClr val="FFFFFF"/>
+                </a:solidFill>
+              </a14:hiddenFill>
+            </a:ext>
+            <a:ext uri="{91240B29-F687-4F45-9708-019B960494DF}">
+              <a14:hiddenLine xmlns:a14="http://schemas.microsoft.com/office/drawing/2010/main" w="9525">
+                <a:solidFill>
+                  <a:srgbClr val="000000"/>
+                </a:solidFill>
+                <a:miter lim="800000"/>
+                <a:headEnd/>
+                <a:tailEnd/>
+              </a14:hiddenLine>
+            </a:ext>
+          </a:extLst>
+        </p:spPr>
+        <p:txBody>
+          <a:bodyPr wrap="square" numCol="1" anchor="t" anchorCtr="0" compatLnSpc="1">
+            <a:prstTxWarp prst="textNoShape">
+              <a:avLst/>
+            </a:prstTxWarp>
+          </a:bodyPr>
+          <a:lstStyle/>
+          <a:p>
+            <a:endParaRPr lang="zh-TW" altLang="en-US" smtClean="0"/>
+          </a:p>
+        </p:txBody>
+      </p:sp>
+      <p:sp>
+        <p:nvSpPr>
+          <p:cNvPr id="22532" name="投影片編號版面配置區 3"/>
+          <p:cNvSpPr>
+            <a:spLocks noGrp="1"/>
+          </p:cNvSpPr>
+          <p:nvPr>
+            <p:ph type="sldNum" sz="quarter" idx="5"/>
+          </p:nvPr>
+        </p:nvSpPr>
+        <p:spPr bwMode="auto">
+          <a:noFill/>
+          <a:extLst>
+            <a:ext uri="{909E8E84-426E-40DD-AFC4-6F175D3DCCD1}">
+              <a14:hiddenFill xmlns:a14="http://schemas.microsoft.com/office/drawing/2010/main">
+                <a:solidFill>
+                  <a:srgbClr val="FFFFFF"/>
+                </a:solidFill>
+              </a14:hiddenFill>
+            </a:ext>
+            <a:ext uri="{91240B29-F687-4F45-9708-019B960494DF}">
+              <a14:hiddenLine xmlns:a14="http://schemas.microsoft.com/office/drawing/2010/main" w="9525">
+                <a:solidFill>
+                  <a:srgbClr val="000000"/>
+                </a:solidFill>
+                <a:miter lim="800000"/>
+                <a:headEnd/>
+                <a:tailEnd/>
+              </a14:hiddenLine>
+            </a:ext>
+          </a:extLst>
+        </p:spPr>
+        <p:txBody>
+          <a:bodyPr wrap="square" numCol="1" anchorCtr="0" compatLnSpc="1">
+            <a:prstTxWarp prst="textNoShape">
+              <a:avLst/>
+            </a:prstTxWarp>
+          </a:bodyPr>
+          <a:lstStyle>
+            <a:lvl1pPr algn="l" eaLnBrk="0" hangingPunct="0">
+              <a:spcBef>
+                <a:spcPct val="30000"/>
+              </a:spcBef>
+              <a:defRPr sz="1200">
+                <a:solidFill>
+                  <a:schemeClr val="tx1"/>
+                </a:solidFill>
+                <a:latin typeface="Calibri" pitchFamily="34" charset="0"/>
+                <a:ea typeface="新細明體" charset="-120"/>
+              </a:defRPr>
+            </a:lvl1pPr>
+            <a:lvl2pPr marL="742950" indent="-285750" algn="l" eaLnBrk="0" hangingPunct="0">
+              <a:spcBef>
+                <a:spcPct val="30000"/>
+              </a:spcBef>
+              <a:defRPr sz="1200">
+                <a:solidFill>
+                  <a:schemeClr val="tx1"/>
+                </a:solidFill>
+                <a:latin typeface="Calibri" pitchFamily="34" charset="0"/>
+                <a:ea typeface="新細明體" charset="-120"/>
+              </a:defRPr>
+            </a:lvl2pPr>
+            <a:lvl3pPr marL="1143000" indent="-228600" algn="l" eaLnBrk="0" hangingPunct="0">
+              <a:spcBef>
+                <a:spcPct val="30000"/>
+              </a:spcBef>
+              <a:defRPr sz="1200">
+                <a:solidFill>
+                  <a:schemeClr val="tx1"/>
+                </a:solidFill>
+                <a:latin typeface="Calibri" pitchFamily="34" charset="0"/>
+                <a:ea typeface="新細明體" charset="-120"/>
+              </a:defRPr>
+            </a:lvl3pPr>
+            <a:lvl4pPr marL="1600200" indent="-228600" algn="l" eaLnBrk="0" hangingPunct="0">
+              <a:spcBef>
+                <a:spcPct val="30000"/>
+              </a:spcBef>
+              <a:defRPr sz="1200">
+                <a:solidFill>
+                  <a:schemeClr val="tx1"/>
+                </a:solidFill>
+                <a:latin typeface="Calibri" pitchFamily="34" charset="0"/>
+                <a:ea typeface="新細明體" charset="-120"/>
+              </a:defRPr>
+            </a:lvl4pPr>
+            <a:lvl5pPr marL="2057400" indent="-228600" algn="l" eaLnBrk="0" hangingPunct="0">
+              <a:spcBef>
+                <a:spcPct val="30000"/>
+              </a:spcBef>
+              <a:defRPr sz="1200">
+                <a:solidFill>
+                  <a:schemeClr val="tx1"/>
+                </a:solidFill>
+                <a:latin typeface="Calibri" pitchFamily="34" charset="0"/>
+                <a:ea typeface="新細明體" charset="-120"/>
+              </a:defRPr>
+            </a:lvl5pPr>
+            <a:lvl6pPr marL="2514600" indent="-228600" eaLnBrk="0" fontAlgn="base" hangingPunct="0">
+              <a:spcBef>
+                <a:spcPct val="30000"/>
+              </a:spcBef>
+              <a:spcAft>
+                <a:spcPct val="0"/>
+              </a:spcAft>
+              <a:defRPr sz="1200">
+                <a:solidFill>
+                  <a:schemeClr val="tx1"/>
+                </a:solidFill>
+                <a:latin typeface="Calibri" pitchFamily="34" charset="0"/>
+                <a:ea typeface="新細明體" charset="-120"/>
+              </a:defRPr>
+            </a:lvl6pPr>
+            <a:lvl7pPr marL="2971800" indent="-228600" eaLnBrk="0" fontAlgn="base" hangingPunct="0">
+              <a:spcBef>
+                <a:spcPct val="30000"/>
+              </a:spcBef>
+              <a:spcAft>
+                <a:spcPct val="0"/>
+              </a:spcAft>
+              <a:defRPr sz="1200">
+                <a:solidFill>
+                  <a:schemeClr val="tx1"/>
+                </a:solidFill>
+                <a:latin typeface="Calibri" pitchFamily="34" charset="0"/>
+                <a:ea typeface="新細明體" charset="-120"/>
+              </a:defRPr>
+            </a:lvl7pPr>
+            <a:lvl8pPr marL="3429000" indent="-228600" eaLnBrk="0" fontAlgn="base" hangingPunct="0">
+              <a:spcBef>
+                <a:spcPct val="30000"/>
+              </a:spcBef>
+              <a:spcAft>
+                <a:spcPct val="0"/>
+              </a:spcAft>
+              <a:defRPr sz="1200">
+                <a:solidFill>
+                  <a:schemeClr val="tx1"/>
+                </a:solidFill>
+                <a:latin typeface="Calibri" pitchFamily="34" charset="0"/>
+                <a:ea typeface="新細明體" charset="-120"/>
+              </a:defRPr>
+            </a:lvl8pPr>
+            <a:lvl9pPr marL="3886200" indent="-228600" eaLnBrk="0" fontAlgn="base" hangingPunct="0">
+              <a:spcBef>
+                <a:spcPct val="30000"/>
+              </a:spcBef>
+              <a:spcAft>
+                <a:spcPct val="0"/>
+              </a:spcAft>
+              <a:defRPr sz="1200">
+                <a:solidFill>
+                  <a:schemeClr val="tx1"/>
+                </a:solidFill>
+                <a:latin typeface="Calibri" pitchFamily="34" charset="0"/>
+                <a:ea typeface="新細明體" charset="-120"/>
+              </a:defRPr>
+            </a:lvl9pPr>
+          </a:lstStyle>
+          <a:p>
+            <a:pPr algn="r" eaLnBrk="1" hangingPunct="1">
+              <a:spcBef>
+                <a:spcPct val="0"/>
+              </a:spcBef>
+            </a:pPr>
+            <a:fld id="{05A9FB00-6FFA-41A5-8DB6-A41D83CAE5F2}" type="slidenum">
+              <a:rPr lang="zh-TW" altLang="en-US" smtClean="0">
+                <a:latin typeface="Arial" charset="0"/>
+              </a:rPr>
+              <a:pPr algn="r" eaLnBrk="1" hangingPunct="1">
+                <a:spcBef>
+                  <a:spcPct val="0"/>
+                </a:spcBef>
+              </a:pPr>
+              <a:t>12</a:t>
+            </a:fld>
+            <a:endParaRPr lang="zh-TW" altLang="en-US" smtClean="0">
+              <a:latin typeface="Arial" charset="0"/>
+            </a:endParaRPr>
+          </a:p>
+        </p:txBody>
+      </p:sp>
+    </p:spTree>
+  </p:cSld>
+  <p:clrMapOvr>
+    <a:masterClrMapping/>
+  </p:clrMapOvr>
+</p:notes>
+</file>
+
+<file path=ppt/notesSlides/notesSlide9.xml><?xml version="1.0" encoding="utf-8"?>
+<p:notes xmlns:a="http://schemas.openxmlformats.org/drawingml/2006/main" xmlns:r="http://schemas.openxmlformats.org/officeDocument/2006/relationships" xmlns:p="http://schemas.openxmlformats.org/presentationml/2006/main">
+  <p:cSld>
+    <p:spTree>
+      <p:nvGrpSpPr>
+        <p:cNvPr id="1" name=""/>
+        <p:cNvGrpSpPr/>
+        <p:nvPr/>
+      </p:nvGrpSpPr>
+      <p:grpSpPr>
+        <a:xfrm>
+          <a:off x="0" y="0"/>
+          <a:ext cx="0" cy="0"/>
+          <a:chOff x="0" y="0"/>
+          <a:chExt cx="0" cy="0"/>
+        </a:xfrm>
+      </p:grpSpPr>
+      <p:sp>
+        <p:nvSpPr>
           <p:cNvPr id="5122" name="投影片圖像版面配置區 1"/>
           <p:cNvSpPr>
             <a:spLocks noGrp="1" noRot="1" noChangeAspect="1" noTextEdit="1"/>
@@ -2811,7 +3095,7 @@
                   <a:spcPct val="0"/>
                 </a:spcBef>
               </a:pPr>
-              <a:t>13</a:t>
+              <a:t>14</a:t>
             </a:fld>
             <a:endParaRPr lang="zh-TW" altLang="en-US" smtClean="0">
               <a:latin typeface="Arial" charset="0"/>
@@ -6411,7 +6695,7 @@
                   <a:reflection blurRad="12700" stA="28000" endPos="45000" dist="1000" dir="5400000" sy="-100000" algn="bl" rotWithShape="0"/>
                 </a:effectLst>
               </a:rPr>
-              <a:t>巢狀 </a:t>
+              <a:t>結構化文件與 </a:t>
             </a:r>
             <a:r>
               <a:rPr lang="en-US" altLang="zh-TW" b="1" cap="all" dirty="0" err="1" smtClean="0">
@@ -6501,186 +6785,7 @@
                   <a:reflection blurRad="12700" stA="28000" endPos="45000" dist="1000" dir="5400000" sy="-100000" algn="bl" rotWithShape="0"/>
                 </a:effectLst>
               </a:rPr>
-              <a:t> 資料結構</a:t>
-            </a:r>
-            <a:r>
-              <a:rPr lang="en-US" altLang="zh-TW" b="1" cap="all" dirty="0">
-                <a:ln w="9000" cmpd="sng">
-                  <a:solidFill>
-                    <a:schemeClr val="accent4">
-                      <a:shade val="50000"/>
-                      <a:satMod val="120000"/>
-                    </a:schemeClr>
-                  </a:solidFill>
-                  <a:prstDash val="solid"/>
-                </a:ln>
-                <a:gradFill>
-                  <a:gsLst>
-                    <a:gs pos="0">
-                      <a:schemeClr val="accent4">
-                        <a:shade val="20000"/>
-                        <a:satMod val="245000"/>
-                      </a:schemeClr>
-                    </a:gs>
-                    <a:gs pos="43000">
-                      <a:schemeClr val="accent4">
-                        <a:satMod val="255000"/>
-                      </a:schemeClr>
-                    </a:gs>
-                    <a:gs pos="48000">
-                      <a:schemeClr val="accent4">
-                        <a:shade val="85000"/>
-                        <a:satMod val="255000"/>
-                      </a:schemeClr>
-                    </a:gs>
-                    <a:gs pos="100000">
-                      <a:schemeClr val="accent4">
-                        <a:shade val="20000"/>
-                        <a:satMod val="245000"/>
-                      </a:schemeClr>
-                    </a:gs>
-                  </a:gsLst>
-                  <a:lin ang="5400000"/>
-                </a:gradFill>
-                <a:effectLst>
-                  <a:reflection blurRad="12700" stA="28000" endPos="45000" dist="1000" dir="5400000" sy="-100000" algn="bl" rotWithShape="0"/>
-                </a:effectLst>
-              </a:rPr>
-              <a:t/>
-            </a:r>
-            <a:br>
-              <a:rPr lang="en-US" altLang="zh-TW" b="1" cap="all" dirty="0">
-                <a:ln w="9000" cmpd="sng">
-                  <a:solidFill>
-                    <a:schemeClr val="accent4">
-                      <a:shade val="50000"/>
-                      <a:satMod val="120000"/>
-                    </a:schemeClr>
-                  </a:solidFill>
-                  <a:prstDash val="solid"/>
-                </a:ln>
-                <a:gradFill>
-                  <a:gsLst>
-                    <a:gs pos="0">
-                      <a:schemeClr val="accent4">
-                        <a:shade val="20000"/>
-                        <a:satMod val="245000"/>
-                      </a:schemeClr>
-                    </a:gs>
-                    <a:gs pos="43000">
-                      <a:schemeClr val="accent4">
-                        <a:satMod val="255000"/>
-                      </a:schemeClr>
-                    </a:gs>
-                    <a:gs pos="48000">
-                      <a:schemeClr val="accent4">
-                        <a:shade val="85000"/>
-                        <a:satMod val="255000"/>
-                      </a:schemeClr>
-                    </a:gs>
-                    <a:gs pos="100000">
-                      <a:schemeClr val="accent4">
-                        <a:shade val="20000"/>
-                        <a:satMod val="245000"/>
-                      </a:schemeClr>
-                    </a:gs>
-                  </a:gsLst>
-                  <a:lin ang="5400000"/>
-                </a:gradFill>
-                <a:effectLst>
-                  <a:reflection blurRad="12700" stA="28000" endPos="45000" dist="1000" dir="5400000" sy="-100000" algn="bl" rotWithShape="0"/>
-                </a:effectLst>
-              </a:rPr>
-            </a:br>
-            <a:r>
-              <a:rPr lang="en-US" altLang="zh-TW" b="1" cap="all" dirty="0">
-                <a:ln w="9000" cmpd="sng">
-                  <a:solidFill>
-                    <a:schemeClr val="accent4">
-                      <a:shade val="50000"/>
-                      <a:satMod val="120000"/>
-                    </a:schemeClr>
-                  </a:solidFill>
-                  <a:prstDash val="solid"/>
-                </a:ln>
-                <a:gradFill>
-                  <a:gsLst>
-                    <a:gs pos="0">
-                      <a:schemeClr val="accent4">
-                        <a:shade val="20000"/>
-                        <a:satMod val="245000"/>
-                      </a:schemeClr>
-                    </a:gs>
-                    <a:gs pos="43000">
-                      <a:schemeClr val="accent4">
-                        <a:satMod val="255000"/>
-                      </a:schemeClr>
-                    </a:gs>
-                    <a:gs pos="48000">
-                      <a:schemeClr val="accent4">
-                        <a:shade val="85000"/>
-                        <a:satMod val="255000"/>
-                      </a:schemeClr>
-                    </a:gs>
-                    <a:gs pos="100000">
-                      <a:schemeClr val="accent4">
-                        <a:shade val="20000"/>
-                        <a:satMod val="245000"/>
-                      </a:schemeClr>
-                    </a:gs>
-                  </a:gsLst>
-                  <a:lin ang="5400000"/>
-                </a:gradFill>
-                <a:effectLst>
-                  <a:reflection blurRad="12700" stA="28000" endPos="45000" dist="1000" dir="5400000" sy="-100000" algn="bl" rotWithShape="0"/>
-                </a:effectLst>
-              </a:rPr>
-              <a:t>nested </a:t>
-            </a:r>
-            <a:r>
-              <a:rPr lang="en-US" altLang="zh-TW" b="1" cap="all" dirty="0" err="1">
-                <a:ln w="9000" cmpd="sng">
-                  <a:solidFill>
-                    <a:schemeClr val="accent4">
-                      <a:shade val="50000"/>
-                      <a:satMod val="120000"/>
-                    </a:schemeClr>
-                  </a:solidFill>
-                  <a:prstDash val="solid"/>
-                </a:ln>
-                <a:gradFill>
-                  <a:gsLst>
-                    <a:gs pos="0">
-                      <a:schemeClr val="accent4">
-                        <a:shade val="20000"/>
-                        <a:satMod val="245000"/>
-                      </a:schemeClr>
-                    </a:gs>
-                    <a:gs pos="43000">
-                      <a:schemeClr val="accent4">
-                        <a:satMod val="255000"/>
-                      </a:schemeClr>
-                    </a:gs>
-                    <a:gs pos="48000">
-                      <a:schemeClr val="accent4">
-                        <a:shade val="85000"/>
-                        <a:satMod val="255000"/>
-                      </a:schemeClr>
-                    </a:gs>
-                    <a:gs pos="100000">
-                      <a:schemeClr val="accent4">
-                        <a:shade val="20000"/>
-                        <a:satMod val="245000"/>
-                      </a:schemeClr>
-                    </a:gs>
-                  </a:gsLst>
-                  <a:lin ang="5400000"/>
-                </a:gradFill>
-                <a:effectLst>
-                  <a:reflection blurRad="12700" stA="28000" endPos="45000" dist="1000" dir="5400000" sy="-100000" algn="bl" rotWithShape="0"/>
-                </a:effectLst>
-              </a:rPr>
-              <a:t>json</a:t>
+              <a:t> 物件轉換</a:t>
             </a:r>
             <a:endParaRPr lang="zh-TW" altLang="en-US" b="1" cap="all" dirty="0">
               <a:ln w="9000" cmpd="sng">
@@ -6739,8 +6844,8 @@
         </p:nvSpPr>
         <p:spPr>
           <a:xfrm>
-            <a:off x="467544" y="1412776"/>
-            <a:ext cx="8229600" cy="4175323"/>
+            <a:off x="539552" y="1268760"/>
+            <a:ext cx="8229600" cy="4751387"/>
           </a:xfrm>
         </p:spPr>
         <p:txBody>
@@ -6752,50 +6857,37 @@
               <a:buChar char="Ø"/>
             </a:pPr>
             <a:r>
-              <a:rPr lang="en-US" altLang="zh-TW" dirty="0" err="1" smtClean="0"/>
+              <a:rPr lang="zh-TW" altLang="en-US" dirty="0"/>
+              <a:t>可將程式中的物件轉換成結構化文件</a:t>
+            </a:r>
+            <a:r>
+              <a:rPr lang="en-US" altLang="zh-TW" dirty="0"/>
+              <a:t>( </a:t>
+            </a:r>
+            <a:r>
+              <a:rPr lang="en-US" altLang="zh-TW" dirty="0" err="1"/>
               <a:t>JSON</a:t>
             </a:r>
             <a:r>
-              <a:rPr lang="zh-TW" altLang="en-US" dirty="0" smtClean="0"/>
+              <a:rPr lang="en-US" altLang="zh-TW" dirty="0"/>
               <a:t> </a:t>
             </a:r>
             <a:r>
-              <a:rPr lang="en-US" altLang="zh-TW" dirty="0" err="1" smtClean="0"/>
-              <a:t>name:value</a:t>
-            </a:r>
-            <a:r>
-              <a:rPr lang="en-US" altLang="zh-TW" dirty="0" smtClean="0"/>
-              <a:t> pair </a:t>
-            </a:r>
-            <a:r>
-              <a:rPr lang="zh-TW" altLang="en-US" dirty="0" smtClean="0"/>
-              <a:t>當中之 </a:t>
-            </a:r>
-            <a:r>
-              <a:rPr lang="en-US" altLang="zh-TW" dirty="0" smtClean="0"/>
-              <a:t>value </a:t>
-            </a:r>
-            <a:r>
-              <a:rPr lang="zh-TW" altLang="en-US" dirty="0" smtClean="0"/>
-              <a:t>可為另一 </a:t>
-            </a:r>
-            <a:r>
-              <a:rPr lang="en-US" altLang="zh-TW" dirty="0" err="1" smtClean="0"/>
-              <a:t>JSON</a:t>
-            </a:r>
-            <a:r>
-              <a:rPr lang="zh-TW" altLang="en-US" dirty="0" smtClean="0"/>
-              <a:t> </a:t>
-            </a:r>
-            <a:r>
               <a:rPr lang="zh-TW" altLang="en-US" dirty="0"/>
-              <a:t>子</a:t>
-            </a:r>
-            <a:r>
-              <a:rPr lang="zh-TW" altLang="en-US" dirty="0" smtClean="0"/>
-              <a:t>物件</a:t>
-            </a:r>
-            <a:endParaRPr lang="en-US" altLang="zh-TW" dirty="0" smtClean="0"/>
+              <a:t>字串資料</a:t>
+            </a:r>
+            <a:r>
+              <a:rPr lang="en-US" altLang="zh-TW" dirty="0"/>
+              <a:t>)</a:t>
+            </a:r>
+            <a:r>
+              <a:rPr lang="zh-TW" altLang="en-US" dirty="0"/>
+              <a:t>，如下</a:t>
+            </a:r>
+            <a:r>
+              <a:rPr lang="en-US" altLang="zh-TW" dirty="0"/>
+              <a:t>:</a:t>
+            </a:r>
           </a:p>
           <a:p>
             <a:pPr lvl="1">
@@ -6803,26 +6895,69 @@
               <a:buChar char="Ø"/>
             </a:pPr>
             <a:r>
-              <a:rPr lang="zh-TW" altLang="en-US" dirty="0" smtClean="0"/>
-              <a:t>常用於</a:t>
-            </a:r>
-            <a:r>
-              <a:rPr lang="en-US" altLang="zh-TW" dirty="0" smtClean="0"/>
-              <a:t>:</a:t>
-            </a:r>
-            <a:r>
-              <a:rPr lang="zh-TW" altLang="en-US" dirty="0" smtClean="0"/>
+              <a:rPr lang="en-US" altLang="zh-TW" dirty="0" err="1" smtClean="0">
+                <a:solidFill>
+                  <a:srgbClr val="FF0000"/>
+                </a:solidFill>
+              </a:rPr>
+              <a:t>var</a:t>
+            </a:r>
+            <a:r>
+              <a:rPr lang="en-US" altLang="zh-TW" dirty="0" smtClean="0">
+                <a:solidFill>
+                  <a:srgbClr val="FF0000"/>
+                </a:solidFill>
+              </a:rPr>
               <a:t> </a:t>
             </a:r>
             <a:r>
-              <a:rPr lang="en-US" altLang="zh-TW" dirty="0" smtClean="0"/>
-              <a:t>master-detail </a:t>
-            </a:r>
-            <a:r>
-              <a:rPr lang="zh-TW" altLang="en-US" dirty="0" smtClean="0"/>
-              <a:t>及多值資料 </a:t>
-            </a:r>
-            <a:endParaRPr lang="en-US" altLang="zh-TW" dirty="0" smtClean="0"/>
+              <a:rPr lang="en-US" altLang="zh-TW" dirty="0" err="1" smtClean="0">
+                <a:solidFill>
+                  <a:srgbClr val="FF0000"/>
+                </a:solidFill>
+              </a:rPr>
+              <a:t>myJSONstr</a:t>
+            </a:r>
+            <a:r>
+              <a:rPr lang="en-US" altLang="zh-TW" dirty="0" smtClean="0">
+                <a:solidFill>
+                  <a:srgbClr val="FF0000"/>
+                </a:solidFill>
+              </a:rPr>
+              <a:t> = </a:t>
+            </a:r>
+            <a:r>
+              <a:rPr lang="en-US" altLang="zh-TW" dirty="0" err="1">
+                <a:solidFill>
+                  <a:srgbClr val="FF0000"/>
+                </a:solidFill>
+              </a:rPr>
+              <a:t>JSON.stringify</a:t>
+            </a:r>
+            <a:r>
+              <a:rPr lang="en-US" altLang="zh-TW" dirty="0">
+                <a:solidFill>
+                  <a:srgbClr val="FF0000"/>
+                </a:solidFill>
+              </a:rPr>
+              <a:t>(</a:t>
+            </a:r>
+            <a:r>
+              <a:rPr lang="en-US" altLang="zh-TW" dirty="0" err="1">
+                <a:solidFill>
+                  <a:srgbClr val="FF0000"/>
+                </a:solidFill>
+              </a:rPr>
+              <a:t>myObj</a:t>
+            </a:r>
+            <a:r>
+              <a:rPr lang="en-US" altLang="zh-TW" dirty="0" smtClean="0">
+                <a:solidFill>
+                  <a:srgbClr val="FF0000"/>
+                </a:solidFill>
+              </a:rPr>
+              <a:t>);</a:t>
+            </a:r>
           </a:p>
           <a:p>
             <a:pPr lvl="1">
@@ -6830,58 +6965,37 @@
               <a:buChar char="Ø"/>
             </a:pPr>
             <a:r>
+              <a:rPr lang="en-US" altLang="zh-TW" dirty="0" smtClean="0"/>
+              <a:t>//</a:t>
+            </a:r>
+            <a:r>
               <a:rPr lang="zh-TW" altLang="en-US" dirty="0" smtClean="0"/>
-              <a:t>如訂單內包含貨品細項、個人基本資料包含多個聯絡資訊。例如</a:t>
-            </a:r>
-            <a:r>
-              <a:rPr lang="en-US" altLang="zh-TW" dirty="0" smtClean="0"/>
-              <a:t>:</a:t>
-            </a:r>
-          </a:p>
-          <a:p>
-            <a:pPr lvl="2">
-              <a:buFont typeface="Wingdings" pitchFamily="2" charset="2"/>
-              <a:buChar char="Ø"/>
-            </a:pPr>
-            <a:r>
-              <a:rPr lang="en-US" altLang="zh-TW" dirty="0" smtClean="0"/>
-              <a:t>https://</a:t>
+              <a:t>將  </a:t>
+            </a:r>
+            <a:r>
+              <a:rPr lang="en-US" altLang="zh-TW" dirty="0" err="1"/>
+              <a:t>myObj</a:t>
+            </a:r>
+            <a:r>
+              <a:rPr lang="en-US" altLang="zh-TW" dirty="0"/>
+              <a:t> </a:t>
+            </a:r>
+            <a:r>
+              <a:rPr lang="zh-TW" altLang="en-US" dirty="0" smtClean="0"/>
+              <a:t>物件</a:t>
+            </a:r>
+            <a:r>
+              <a:rPr lang="zh-TW" altLang="en-US" dirty="0"/>
+              <a:t>轉換</a:t>
+            </a:r>
+            <a:r>
+              <a:rPr lang="zh-TW" altLang="en-US" dirty="0" smtClean="0"/>
+              <a:t>成 </a:t>
             </a:r>
             <a:r>
               <a:rPr lang="en-US" altLang="zh-TW" dirty="0" err="1" smtClean="0"/>
-              <a:t>www.w3schools.com</a:t>
-            </a:r>
-            <a:r>
-              <a:rPr lang="en-US" altLang="zh-TW" dirty="0" smtClean="0"/>
-              <a:t>/</a:t>
-            </a:r>
-            <a:r>
-              <a:rPr lang="en-US" altLang="zh-TW" dirty="0" err="1" smtClean="0"/>
-              <a:t>js</a:t>
-            </a:r>
-            <a:r>
-              <a:rPr lang="en-US" altLang="zh-TW" dirty="0" smtClean="0"/>
-              <a:t>/</a:t>
-            </a:r>
-            <a:r>
-              <a:rPr lang="en-US" altLang="zh-TW" dirty="0" err="1" smtClean="0"/>
-              <a:t>tryit.asp?filename</a:t>
-            </a:r>
-            <a:r>
-              <a:rPr lang="en-US" altLang="zh-TW" dirty="0" smtClean="0"/>
-              <a:t>=</a:t>
-            </a:r>
-            <a:r>
-              <a:rPr lang="en-US" altLang="zh-TW" dirty="0" err="1" smtClean="0"/>
-              <a:t>tryjson_object_nested</a:t>
-            </a:r>
-            <a:endParaRPr lang="en-US" altLang="zh-TW" dirty="0" smtClean="0"/>
-          </a:p>
-          <a:p>
-            <a:pPr>
-              <a:buFont typeface="Wingdings" pitchFamily="2" charset="2"/>
-              <a:buChar char="Ø"/>
-            </a:pPr>
+              <a:t>myJSONstr</a:t>
+            </a:r>
             <a:endParaRPr lang="en-US" altLang="zh-TW" dirty="0" smtClean="0"/>
           </a:p>
         </p:txBody>
@@ -6889,7 +7003,7 @@
     </p:spTree>
     <p:extLst>
       <p:ext uri="{BB962C8B-B14F-4D97-AF65-F5344CB8AC3E}">
-        <p14:creationId xmlns:p14="http://schemas.microsoft.com/office/powerpoint/2010/main" val="33574731"/>
+        <p14:creationId xmlns:p14="http://schemas.microsoft.com/office/powerpoint/2010/main" val="131931326"/>
       </p:ext>
     </p:extLst>
   </p:cSld>
@@ -7040,6 +7154,230 @@
               </a:rPr>
               <a:t>JSON</a:t>
             </a:r>
+            <a:r>
+              <a:rPr lang="zh-TW" altLang="en-US" b="1" cap="all" dirty="0" smtClean="0">
+                <a:ln w="9000" cmpd="sng">
+                  <a:solidFill>
+                    <a:schemeClr val="accent4">
+                      <a:shade val="50000"/>
+                      <a:satMod val="120000"/>
+                    </a:schemeClr>
+                  </a:solidFill>
+                  <a:prstDash val="solid"/>
+                </a:ln>
+                <a:gradFill>
+                  <a:gsLst>
+                    <a:gs pos="0">
+                      <a:schemeClr val="accent4">
+                        <a:shade val="20000"/>
+                        <a:satMod val="245000"/>
+                      </a:schemeClr>
+                    </a:gs>
+                    <a:gs pos="43000">
+                      <a:schemeClr val="accent4">
+                        <a:satMod val="255000"/>
+                      </a:schemeClr>
+                    </a:gs>
+                    <a:gs pos="48000">
+                      <a:schemeClr val="accent4">
+                        <a:shade val="85000"/>
+                        <a:satMod val="255000"/>
+                      </a:schemeClr>
+                    </a:gs>
+                    <a:gs pos="100000">
+                      <a:schemeClr val="accent4">
+                        <a:shade val="20000"/>
+                        <a:satMod val="245000"/>
+                      </a:schemeClr>
+                    </a:gs>
+                  </a:gsLst>
+                  <a:lin ang="5400000"/>
+                </a:gradFill>
+                <a:effectLst>
+                  <a:reflection blurRad="12700" stA="28000" endPos="45000" dist="1000" dir="5400000" sy="-100000" algn="bl" rotWithShape="0"/>
+                </a:effectLst>
+              </a:rPr>
+              <a:t> 資料結構</a:t>
+            </a:r>
+            <a:r>
+              <a:rPr lang="en-US" altLang="zh-TW" b="1" cap="all" dirty="0">
+                <a:ln w="9000" cmpd="sng">
+                  <a:solidFill>
+                    <a:schemeClr val="accent4">
+                      <a:shade val="50000"/>
+                      <a:satMod val="120000"/>
+                    </a:schemeClr>
+                  </a:solidFill>
+                  <a:prstDash val="solid"/>
+                </a:ln>
+                <a:gradFill>
+                  <a:gsLst>
+                    <a:gs pos="0">
+                      <a:schemeClr val="accent4">
+                        <a:shade val="20000"/>
+                        <a:satMod val="245000"/>
+                      </a:schemeClr>
+                    </a:gs>
+                    <a:gs pos="43000">
+                      <a:schemeClr val="accent4">
+                        <a:satMod val="255000"/>
+                      </a:schemeClr>
+                    </a:gs>
+                    <a:gs pos="48000">
+                      <a:schemeClr val="accent4">
+                        <a:shade val="85000"/>
+                        <a:satMod val="255000"/>
+                      </a:schemeClr>
+                    </a:gs>
+                    <a:gs pos="100000">
+                      <a:schemeClr val="accent4">
+                        <a:shade val="20000"/>
+                        <a:satMod val="245000"/>
+                      </a:schemeClr>
+                    </a:gs>
+                  </a:gsLst>
+                  <a:lin ang="5400000"/>
+                </a:gradFill>
+                <a:effectLst>
+                  <a:reflection blurRad="12700" stA="28000" endPos="45000" dist="1000" dir="5400000" sy="-100000" algn="bl" rotWithShape="0"/>
+                </a:effectLst>
+              </a:rPr>
+              <a:t/>
+            </a:r>
+            <a:br>
+              <a:rPr lang="en-US" altLang="zh-TW" b="1" cap="all" dirty="0">
+                <a:ln w="9000" cmpd="sng">
+                  <a:solidFill>
+                    <a:schemeClr val="accent4">
+                      <a:shade val="50000"/>
+                      <a:satMod val="120000"/>
+                    </a:schemeClr>
+                  </a:solidFill>
+                  <a:prstDash val="solid"/>
+                </a:ln>
+                <a:gradFill>
+                  <a:gsLst>
+                    <a:gs pos="0">
+                      <a:schemeClr val="accent4">
+                        <a:shade val="20000"/>
+                        <a:satMod val="245000"/>
+                      </a:schemeClr>
+                    </a:gs>
+                    <a:gs pos="43000">
+                      <a:schemeClr val="accent4">
+                        <a:satMod val="255000"/>
+                      </a:schemeClr>
+                    </a:gs>
+                    <a:gs pos="48000">
+                      <a:schemeClr val="accent4">
+                        <a:shade val="85000"/>
+                        <a:satMod val="255000"/>
+                      </a:schemeClr>
+                    </a:gs>
+                    <a:gs pos="100000">
+                      <a:schemeClr val="accent4">
+                        <a:shade val="20000"/>
+                        <a:satMod val="245000"/>
+                      </a:schemeClr>
+                    </a:gs>
+                  </a:gsLst>
+                  <a:lin ang="5400000"/>
+                </a:gradFill>
+                <a:effectLst>
+                  <a:reflection blurRad="12700" stA="28000" endPos="45000" dist="1000" dir="5400000" sy="-100000" algn="bl" rotWithShape="0"/>
+                </a:effectLst>
+              </a:rPr>
+            </a:br>
+            <a:r>
+              <a:rPr lang="en-US" altLang="zh-TW" b="1" cap="all" dirty="0">
+                <a:ln w="9000" cmpd="sng">
+                  <a:solidFill>
+                    <a:schemeClr val="accent4">
+                      <a:shade val="50000"/>
+                      <a:satMod val="120000"/>
+                    </a:schemeClr>
+                  </a:solidFill>
+                  <a:prstDash val="solid"/>
+                </a:ln>
+                <a:gradFill>
+                  <a:gsLst>
+                    <a:gs pos="0">
+                      <a:schemeClr val="accent4">
+                        <a:shade val="20000"/>
+                        <a:satMod val="245000"/>
+                      </a:schemeClr>
+                    </a:gs>
+                    <a:gs pos="43000">
+                      <a:schemeClr val="accent4">
+                        <a:satMod val="255000"/>
+                      </a:schemeClr>
+                    </a:gs>
+                    <a:gs pos="48000">
+                      <a:schemeClr val="accent4">
+                        <a:shade val="85000"/>
+                        <a:satMod val="255000"/>
+                      </a:schemeClr>
+                    </a:gs>
+                    <a:gs pos="100000">
+                      <a:schemeClr val="accent4">
+                        <a:shade val="20000"/>
+                        <a:satMod val="245000"/>
+                      </a:schemeClr>
+                    </a:gs>
+                  </a:gsLst>
+                  <a:lin ang="5400000"/>
+                </a:gradFill>
+                <a:effectLst>
+                  <a:reflection blurRad="12700" stA="28000" endPos="45000" dist="1000" dir="5400000" sy="-100000" algn="bl" rotWithShape="0"/>
+                </a:effectLst>
+              </a:rPr>
+              <a:t>nested </a:t>
+            </a:r>
+            <a:r>
+              <a:rPr lang="en-US" altLang="zh-TW" b="1" cap="all" dirty="0" err="1">
+                <a:ln w="9000" cmpd="sng">
+                  <a:solidFill>
+                    <a:schemeClr val="accent4">
+                      <a:shade val="50000"/>
+                      <a:satMod val="120000"/>
+                    </a:schemeClr>
+                  </a:solidFill>
+                  <a:prstDash val="solid"/>
+                </a:ln>
+                <a:gradFill>
+                  <a:gsLst>
+                    <a:gs pos="0">
+                      <a:schemeClr val="accent4">
+                        <a:shade val="20000"/>
+                        <a:satMod val="245000"/>
+                      </a:schemeClr>
+                    </a:gs>
+                    <a:gs pos="43000">
+                      <a:schemeClr val="accent4">
+                        <a:satMod val="255000"/>
+                      </a:schemeClr>
+                    </a:gs>
+                    <a:gs pos="48000">
+                      <a:schemeClr val="accent4">
+                        <a:shade val="85000"/>
+                        <a:satMod val="255000"/>
+                      </a:schemeClr>
+                    </a:gs>
+                    <a:gs pos="100000">
+                      <a:schemeClr val="accent4">
+                        <a:shade val="20000"/>
+                        <a:satMod val="245000"/>
+                      </a:schemeClr>
+                    </a:gs>
+                  </a:gsLst>
+                  <a:lin ang="5400000"/>
+                </a:gradFill>
+                <a:effectLst>
+                  <a:reflection blurRad="12700" stA="28000" endPos="45000" dist="1000" dir="5400000" sy="-100000" algn="bl" rotWithShape="0"/>
+                </a:effectLst>
+              </a:rPr>
+              <a:t>json</a:t>
+            </a:r>
             <a:endParaRPr lang="zh-TW" altLang="en-US" b="1" cap="all" dirty="0">
               <a:ln w="9000" cmpd="sng">
                 <a:solidFill>
@@ -7097,8 +7435,8 @@
         </p:nvSpPr>
         <p:spPr>
           <a:xfrm>
-            <a:off x="539552" y="1268760"/>
-            <a:ext cx="8229600" cy="4751387"/>
+            <a:off x="467544" y="1412776"/>
+            <a:ext cx="8229600" cy="4175323"/>
           </a:xfrm>
         </p:spPr>
         <p:txBody>
@@ -7110,24 +7448,48 @@
               <a:buChar char="Ø"/>
             </a:pPr>
             <a:r>
-              <a:rPr lang="zh-TW" altLang="en-US" dirty="0" smtClean="0"/>
-              <a:t>範例一</a:t>
-            </a:r>
-            <a:r>
-              <a:rPr lang="en-US" altLang="zh-TW" dirty="0" smtClean="0"/>
-              <a:t>:</a:t>
+              <a:rPr lang="en-US" altLang="zh-TW" dirty="0" err="1" smtClean="0"/>
+              <a:t>JSON</a:t>
             </a:r>
             <a:r>
               <a:rPr lang="zh-TW" altLang="en-US" dirty="0" smtClean="0"/>
               <a:t> </a:t>
             </a:r>
             <a:r>
+              <a:rPr lang="en-US" altLang="zh-TW" dirty="0" err="1" smtClean="0"/>
+              <a:t>name:value</a:t>
+            </a:r>
+            <a:r>
+              <a:rPr lang="en-US" altLang="zh-TW" dirty="0" smtClean="0"/>
+              <a:t> pair </a:t>
+            </a:r>
+            <a:r>
+              <a:rPr lang="zh-TW" altLang="en-US" dirty="0" smtClean="0"/>
+              <a:t>當中之 </a:t>
+            </a:r>
+            <a:r>
               <a:rPr lang="en-US" altLang="zh-TW" dirty="0" smtClean="0"/>
               <a:t>value </a:t>
             </a:r>
             <a:r>
               <a:rPr lang="zh-TW" altLang="en-US" dirty="0" smtClean="0"/>
-              <a:t>為另一物件</a:t>
+              <a:t>可為另一 </a:t>
+            </a:r>
+            <a:r>
+              <a:rPr lang="en-US" altLang="zh-TW" dirty="0" err="1" smtClean="0"/>
+              <a:t>JSON</a:t>
+            </a:r>
+            <a:r>
+              <a:rPr lang="zh-TW" altLang="en-US" dirty="0" smtClean="0"/>
+              <a:t> </a:t>
+            </a:r>
+            <a:r>
+              <a:rPr lang="zh-TW" altLang="en-US" dirty="0"/>
+              <a:t>子</a:t>
+            </a:r>
+            <a:r>
+              <a:rPr lang="zh-TW" altLang="en-US" dirty="0" smtClean="0"/>
+              <a:t>物件</a:t>
             </a:r>
             <a:endParaRPr lang="en-US" altLang="zh-TW" dirty="0" smtClean="0"/>
           </a:p>
@@ -7137,37 +7499,26 @@
               <a:buChar char="Ø"/>
             </a:pPr>
             <a:r>
-              <a:rPr lang="en-US" altLang="zh-TW" dirty="0" err="1" smtClean="0"/>
-              <a:t>var</a:t>
+              <a:rPr lang="zh-TW" altLang="en-US" dirty="0" smtClean="0"/>
+              <a:t>常用於</a:t>
             </a:r>
             <a:r>
               <a:rPr lang="en-US" altLang="zh-TW" dirty="0" smtClean="0"/>
+              <a:t>:</a:t>
+            </a:r>
+            <a:r>
+              <a:rPr lang="zh-TW" altLang="en-US" dirty="0" smtClean="0"/>
               <a:t> </a:t>
             </a:r>
             <a:r>
-              <a:rPr lang="en-US" altLang="zh-TW" dirty="0" err="1" smtClean="0"/>
-              <a:t>myObj</a:t>
-            </a:r>
-            <a:r>
               <a:rPr lang="en-US" altLang="zh-TW" dirty="0" smtClean="0"/>
-              <a:t> = { "</a:t>
-            </a:r>
-            <a:r>
-              <a:rPr lang="en-US" altLang="zh-TW" dirty="0" err="1" smtClean="0"/>
-              <a:t>name":"John</a:t>
-            </a:r>
-            <a:r>
-              <a:rPr lang="en-US" altLang="zh-TW" dirty="0" smtClean="0"/>
-              <a:t>",  "</a:t>
-            </a:r>
-            <a:r>
-              <a:rPr lang="en-US" altLang="zh-TW" dirty="0" err="1" smtClean="0"/>
-              <a:t>age":30</a:t>
-            </a:r>
-            <a:r>
-              <a:rPr lang="en-US" altLang="zh-TW" dirty="0" smtClean="0"/>
-              <a:t>,</a:t>
-            </a:r>
+              <a:t>master-detail </a:t>
+            </a:r>
+            <a:r>
+              <a:rPr lang="zh-TW" altLang="en-US" dirty="0" smtClean="0"/>
+              <a:t>及多值資料 </a:t>
+            </a:r>
+            <a:endParaRPr lang="en-US" altLang="zh-TW" dirty="0" smtClean="0"/>
           </a:p>
           <a:p>
             <a:pPr lvl="1">
@@ -7175,190 +7526,66 @@
               <a:buChar char="Ø"/>
             </a:pPr>
             <a:r>
+              <a:rPr lang="zh-TW" altLang="en-US" dirty="0" smtClean="0"/>
+              <a:t>如訂單內包含貨品細項、個人基本資料包含多個聯絡資訊。例如</a:t>
+            </a:r>
+            <a:r>
               <a:rPr lang="en-US" altLang="zh-TW" dirty="0" smtClean="0"/>
-              <a:t> </a:t>
-            </a:r>
-            <a:r>
-              <a:rPr lang="en-US" altLang="zh-TW" dirty="0" smtClean="0">
-                <a:solidFill>
-                  <a:srgbClr val="FF0000"/>
-                </a:solidFill>
-              </a:rPr>
-              <a:t>"cars": { "</a:t>
-            </a:r>
-            <a:r>
-              <a:rPr lang="en-US" altLang="zh-TW" dirty="0" err="1" smtClean="0">
-                <a:solidFill>
-                  <a:srgbClr val="FF0000"/>
-                </a:solidFill>
-              </a:rPr>
-              <a:t>car1</a:t>
-            </a:r>
-            <a:r>
-              <a:rPr lang="en-US" altLang="zh-TW" dirty="0" smtClean="0">
-                <a:solidFill>
-                  <a:srgbClr val="FF0000"/>
-                </a:solidFill>
-              </a:rPr>
-              <a:t>":"Ford", "</a:t>
-            </a:r>
-            <a:r>
-              <a:rPr lang="en-US" altLang="zh-TW" dirty="0" err="1" smtClean="0">
-                <a:solidFill>
-                  <a:srgbClr val="FF0000"/>
-                </a:solidFill>
-              </a:rPr>
-              <a:t>car2</a:t>
-            </a:r>
-            <a:r>
-              <a:rPr lang="en-US" altLang="zh-TW" dirty="0" smtClean="0">
-                <a:solidFill>
-                  <a:srgbClr val="FF0000"/>
-                </a:solidFill>
-              </a:rPr>
-              <a:t>":"BMW",</a:t>
-            </a:r>
-            <a:r>
-              <a:rPr lang="zh-TW" altLang="en-US" dirty="0" smtClean="0">
-                <a:solidFill>
-                  <a:srgbClr val="FF0000"/>
-                </a:solidFill>
-              </a:rPr>
-              <a:t> </a:t>
-            </a:r>
-            <a:r>
-              <a:rPr lang="en-US" altLang="zh-TW" dirty="0" smtClean="0">
-                <a:solidFill>
-                  <a:srgbClr val="FF0000"/>
-                </a:solidFill>
-              </a:rPr>
-              <a:t>"</a:t>
-            </a:r>
-            <a:r>
-              <a:rPr lang="en-US" altLang="zh-TW" dirty="0" err="1" smtClean="0">
-                <a:solidFill>
-                  <a:srgbClr val="FF0000"/>
-                </a:solidFill>
-              </a:rPr>
-              <a:t>car3</a:t>
-            </a:r>
-            <a:r>
-              <a:rPr lang="en-US" altLang="zh-TW" dirty="0" smtClean="0">
-                <a:solidFill>
-                  <a:srgbClr val="FF0000"/>
-                </a:solidFill>
-              </a:rPr>
-              <a:t>":"Fiat"  }</a:t>
-            </a:r>
-          </a:p>
-          <a:p>
-            <a:pPr lvl="1">
+              <a:t>:</a:t>
+            </a:r>
+          </a:p>
+          <a:p>
+            <a:pPr lvl="2">
               <a:buFont typeface="Wingdings" pitchFamily="2" charset="2"/>
               <a:buChar char="Ø"/>
             </a:pPr>
             <a:r>
               <a:rPr lang="en-US" altLang="zh-TW" dirty="0" smtClean="0"/>
-              <a:t>}</a:t>
-            </a:r>
+              <a:t>https://</a:t>
+            </a:r>
+            <a:r>
+              <a:rPr lang="en-US" altLang="zh-TW" dirty="0" err="1" smtClean="0"/>
+              <a:t>www.w3schools.com</a:t>
+            </a:r>
+            <a:r>
+              <a:rPr lang="en-US" altLang="zh-TW" dirty="0" smtClean="0"/>
+              <a:t>/</a:t>
+            </a:r>
+            <a:r>
+              <a:rPr lang="en-US" altLang="zh-TW" dirty="0" err="1" smtClean="0"/>
+              <a:t>js</a:t>
+            </a:r>
+            <a:r>
+              <a:rPr lang="en-US" altLang="zh-TW" dirty="0" smtClean="0"/>
+              <a:t>/</a:t>
+            </a:r>
+            <a:r>
+              <a:rPr lang="en-US" altLang="zh-TW" dirty="0" err="1" smtClean="0"/>
+              <a:t>tryit.asp?filename</a:t>
+            </a:r>
+            <a:r>
+              <a:rPr lang="en-US" altLang="zh-TW" dirty="0" smtClean="0"/>
+              <a:t>=</a:t>
+            </a:r>
+            <a:r>
+              <a:rPr lang="en-US" altLang="zh-TW" dirty="0" err="1" smtClean="0"/>
+              <a:t>tryjson_object_nested</a:t>
+            </a:r>
+            <a:endParaRPr lang="en-US" altLang="zh-TW" dirty="0" smtClean="0"/>
           </a:p>
           <a:p>
             <a:pPr>
               <a:buFont typeface="Wingdings" pitchFamily="2" charset="2"/>
               <a:buChar char="Ø"/>
             </a:pPr>
-            <a:r>
-              <a:rPr lang="zh-TW" altLang="en-US" dirty="0" smtClean="0"/>
-              <a:t>範例二</a:t>
-            </a:r>
-            <a:r>
-              <a:rPr lang="en-US" altLang="zh-TW" dirty="0" smtClean="0"/>
-              <a:t>: </a:t>
-            </a:r>
-            <a:r>
-              <a:rPr lang="en-US" altLang="zh-TW" dirty="0"/>
-              <a:t>value </a:t>
-            </a:r>
-            <a:r>
-              <a:rPr lang="zh-TW" altLang="en-US" dirty="0" smtClean="0"/>
-              <a:t>為陣列</a:t>
-            </a:r>
-            <a:endParaRPr lang="zh-TW" altLang="en-US" dirty="0"/>
-          </a:p>
-          <a:p>
-            <a:pPr lvl="1">
-              <a:buFont typeface="Wingdings" pitchFamily="2" charset="2"/>
-              <a:buChar char="Ø"/>
-            </a:pPr>
-            <a:r>
-              <a:rPr lang="en-US" altLang="zh-TW" dirty="0" smtClean="0"/>
-              <a:t> </a:t>
-            </a:r>
-            <a:r>
-              <a:rPr lang="en-US" altLang="zh-TW" dirty="0" err="1" smtClean="0"/>
-              <a:t>var</a:t>
-            </a:r>
-            <a:r>
-              <a:rPr lang="en-US" altLang="zh-TW" dirty="0" smtClean="0"/>
-              <a:t> </a:t>
-            </a:r>
-            <a:r>
-              <a:rPr lang="en-US" altLang="zh-TW" dirty="0" err="1" smtClean="0"/>
-              <a:t>myObj</a:t>
-            </a:r>
-            <a:r>
-              <a:rPr lang="en-US" altLang="zh-TW" dirty="0" smtClean="0"/>
-              <a:t> = { "</a:t>
-            </a:r>
-            <a:r>
-              <a:rPr lang="en-US" altLang="zh-TW" dirty="0" err="1" smtClean="0"/>
-              <a:t>name":"John","age":30</a:t>
-            </a:r>
-            <a:r>
-              <a:rPr lang="en-US" altLang="zh-TW" dirty="0" smtClean="0"/>
-              <a:t>,</a:t>
-            </a:r>
-          </a:p>
-          <a:p>
-            <a:pPr lvl="1">
-              <a:buFont typeface="Wingdings" pitchFamily="2" charset="2"/>
-              <a:buChar char="Ø"/>
-            </a:pPr>
-            <a:r>
-              <a:rPr lang="en-US" altLang="zh-TW" dirty="0" smtClean="0"/>
-              <a:t> </a:t>
-            </a:r>
-            <a:r>
-              <a:rPr lang="en-US" altLang="zh-TW" dirty="0" smtClean="0">
-                <a:solidFill>
-                  <a:srgbClr val="FF0000"/>
-                </a:solidFill>
-              </a:rPr>
-              <a:t>"cars": ["Ford", "BMW", "Fiat"]</a:t>
-            </a:r>
-          </a:p>
-          <a:p>
-            <a:pPr lvl="1">
-              <a:buFont typeface="Wingdings" pitchFamily="2" charset="2"/>
-              <a:buChar char="Ø"/>
-            </a:pPr>
-            <a:r>
-              <a:rPr lang="en-US" altLang="zh-TW" dirty="0" smtClean="0"/>
-              <a:t> }</a:t>
-            </a:r>
-          </a:p>
-          <a:p>
-            <a:pPr>
-              <a:buFont typeface="Wingdings" pitchFamily="2" charset="2"/>
-              <a:buChar char="Ø"/>
-            </a:pPr>
-            <a:endParaRPr lang="en-US" altLang="zh-TW" dirty="0"/>
+            <a:endParaRPr lang="en-US" altLang="zh-TW" dirty="0" smtClean="0"/>
           </a:p>
         </p:txBody>
       </p:sp>
     </p:spTree>
     <p:extLst>
       <p:ext uri="{BB962C8B-B14F-4D97-AF65-F5344CB8AC3E}">
-        <p14:creationId xmlns:p14="http://schemas.microsoft.com/office/powerpoint/2010/main" val="3687398780"/>
+        <p14:creationId xmlns:p14="http://schemas.microsoft.com/office/powerpoint/2010/main" val="33574731"/>
       </p:ext>
     </p:extLst>
   </p:cSld>
@@ -7395,6 +7622,475 @@
       </p:grpSpPr>
       <p:sp>
         <p:nvSpPr>
+          <p:cNvPr id="4" name="標題 3"/>
+          <p:cNvSpPr>
+            <a:spLocks noGrp="1"/>
+          </p:cNvSpPr>
+          <p:nvPr>
+            <p:ph type="title"/>
+          </p:nvPr>
+        </p:nvSpPr>
+        <p:spPr>
+          <a:xfrm>
+            <a:off x="467544" y="116632"/>
+            <a:ext cx="8229600" cy="1143000"/>
+          </a:xfrm>
+          <a:extLst/>
+        </p:spPr>
+        <p:txBody>
+          <a:bodyPr>
+            <a:normAutofit/>
+          </a:bodyPr>
+          <a:lstStyle/>
+          <a:p>
+            <a:pPr>
+              <a:defRPr/>
+            </a:pPr>
+            <a:r>
+              <a:rPr lang="zh-TW" altLang="en-US" b="1" cap="all" dirty="0" smtClean="0">
+                <a:ln w="9000" cmpd="sng">
+                  <a:solidFill>
+                    <a:schemeClr val="accent4">
+                      <a:shade val="50000"/>
+                      <a:satMod val="120000"/>
+                    </a:schemeClr>
+                  </a:solidFill>
+                  <a:prstDash val="solid"/>
+                </a:ln>
+                <a:gradFill>
+                  <a:gsLst>
+                    <a:gs pos="0">
+                      <a:schemeClr val="accent4">
+                        <a:shade val="20000"/>
+                        <a:satMod val="245000"/>
+                      </a:schemeClr>
+                    </a:gs>
+                    <a:gs pos="43000">
+                      <a:schemeClr val="accent4">
+                        <a:satMod val="255000"/>
+                      </a:schemeClr>
+                    </a:gs>
+                    <a:gs pos="48000">
+                      <a:schemeClr val="accent4">
+                        <a:shade val="85000"/>
+                        <a:satMod val="255000"/>
+                      </a:schemeClr>
+                    </a:gs>
+                    <a:gs pos="100000">
+                      <a:schemeClr val="accent4">
+                        <a:shade val="20000"/>
+                        <a:satMod val="245000"/>
+                      </a:schemeClr>
+                    </a:gs>
+                  </a:gsLst>
+                  <a:lin ang="5400000"/>
+                </a:gradFill>
+                <a:effectLst>
+                  <a:reflection blurRad="12700" stA="28000" endPos="45000" dist="1000" dir="5400000" sy="-100000" algn="bl" rotWithShape="0"/>
+                </a:effectLst>
+              </a:rPr>
+              <a:t>巢狀 </a:t>
+            </a:r>
+            <a:r>
+              <a:rPr lang="en-US" altLang="zh-TW" b="1" cap="all" dirty="0" err="1" smtClean="0">
+                <a:ln w="9000" cmpd="sng">
+                  <a:solidFill>
+                    <a:schemeClr val="accent4">
+                      <a:shade val="50000"/>
+                      <a:satMod val="120000"/>
+                    </a:schemeClr>
+                  </a:solidFill>
+                  <a:prstDash val="solid"/>
+                </a:ln>
+                <a:gradFill>
+                  <a:gsLst>
+                    <a:gs pos="0">
+                      <a:schemeClr val="accent4">
+                        <a:shade val="20000"/>
+                        <a:satMod val="245000"/>
+                      </a:schemeClr>
+                    </a:gs>
+                    <a:gs pos="43000">
+                      <a:schemeClr val="accent4">
+                        <a:satMod val="255000"/>
+                      </a:schemeClr>
+                    </a:gs>
+                    <a:gs pos="48000">
+                      <a:schemeClr val="accent4">
+                        <a:shade val="85000"/>
+                        <a:satMod val="255000"/>
+                      </a:schemeClr>
+                    </a:gs>
+                    <a:gs pos="100000">
+                      <a:schemeClr val="accent4">
+                        <a:shade val="20000"/>
+                        <a:satMod val="245000"/>
+                      </a:schemeClr>
+                    </a:gs>
+                  </a:gsLst>
+                  <a:lin ang="5400000"/>
+                </a:gradFill>
+                <a:effectLst>
+                  <a:reflection blurRad="12700" stA="28000" endPos="45000" dist="1000" dir="5400000" sy="-100000" algn="bl" rotWithShape="0"/>
+                </a:effectLst>
+              </a:rPr>
+              <a:t>JSON</a:t>
+            </a:r>
+            <a:endParaRPr lang="zh-TW" altLang="en-US" b="1" cap="all" dirty="0">
+              <a:ln w="9000" cmpd="sng">
+                <a:solidFill>
+                  <a:schemeClr val="accent4">
+                    <a:shade val="50000"/>
+                    <a:satMod val="120000"/>
+                  </a:schemeClr>
+                </a:solidFill>
+                <a:prstDash val="solid"/>
+              </a:ln>
+              <a:gradFill>
+                <a:gsLst>
+                  <a:gs pos="0">
+                    <a:schemeClr val="accent4">
+                      <a:shade val="20000"/>
+                      <a:satMod val="245000"/>
+                    </a:schemeClr>
+                  </a:gs>
+                  <a:gs pos="43000">
+                    <a:schemeClr val="accent4">
+                      <a:satMod val="255000"/>
+                    </a:schemeClr>
+                  </a:gs>
+                  <a:gs pos="48000">
+                    <a:schemeClr val="accent4">
+                      <a:shade val="85000"/>
+                      <a:satMod val="255000"/>
+                    </a:schemeClr>
+                  </a:gs>
+                  <a:gs pos="100000">
+                    <a:schemeClr val="accent4">
+                      <a:shade val="20000"/>
+                      <a:satMod val="245000"/>
+                    </a:schemeClr>
+                  </a:gs>
+                </a:gsLst>
+                <a:lin ang="5400000"/>
+              </a:gradFill>
+              <a:effectLst>
+                <a:reflection blurRad="12700" stA="28000" endPos="45000" dist="1000" dir="5400000" sy="-100000" algn="bl" rotWithShape="0"/>
+              </a:effectLst>
+            </a:endParaRPr>
+          </a:p>
+        </p:txBody>
+      </p:sp>
+      <p:sp>
+        <p:nvSpPr>
+          <p:cNvPr id="11267" name="內容版面配置區 4"/>
+          <p:cNvSpPr>
+            <a:spLocks noGrp="1"/>
+          </p:cNvSpPr>
+          <p:nvPr>
+            <p:ph idx="1"/>
+          </p:nvPr>
+        </p:nvSpPr>
+        <p:spPr>
+          <a:xfrm>
+            <a:off x="539552" y="1268760"/>
+            <a:ext cx="8229600" cy="4751387"/>
+          </a:xfrm>
+        </p:spPr>
+        <p:txBody>
+          <a:bodyPr/>
+          <a:lstStyle/>
+          <a:p>
+            <a:pPr>
+              <a:buFont typeface="Wingdings" pitchFamily="2" charset="2"/>
+              <a:buChar char="Ø"/>
+            </a:pPr>
+            <a:r>
+              <a:rPr lang="zh-TW" altLang="en-US" dirty="0" smtClean="0"/>
+              <a:t>範例一</a:t>
+            </a:r>
+            <a:r>
+              <a:rPr lang="en-US" altLang="zh-TW" dirty="0" smtClean="0"/>
+              <a:t>:</a:t>
+            </a:r>
+            <a:r>
+              <a:rPr lang="zh-TW" altLang="en-US" dirty="0" smtClean="0"/>
+              <a:t> </a:t>
+            </a:r>
+            <a:r>
+              <a:rPr lang="en-US" altLang="zh-TW" dirty="0" smtClean="0"/>
+              <a:t>value </a:t>
+            </a:r>
+            <a:r>
+              <a:rPr lang="zh-TW" altLang="en-US" dirty="0" smtClean="0"/>
+              <a:t>為另一物件</a:t>
+            </a:r>
+            <a:endParaRPr lang="en-US" altLang="zh-TW" dirty="0" smtClean="0"/>
+          </a:p>
+          <a:p>
+            <a:pPr lvl="1">
+              <a:buFont typeface="Wingdings" pitchFamily="2" charset="2"/>
+              <a:buChar char="Ø"/>
+            </a:pPr>
+            <a:r>
+              <a:rPr lang="en-US" altLang="zh-TW" dirty="0" err="1" smtClean="0"/>
+              <a:t>var</a:t>
+            </a:r>
+            <a:r>
+              <a:rPr lang="en-US" altLang="zh-TW" dirty="0" smtClean="0"/>
+              <a:t> </a:t>
+            </a:r>
+            <a:r>
+              <a:rPr lang="en-US" altLang="zh-TW" dirty="0" err="1" smtClean="0"/>
+              <a:t>myObj</a:t>
+            </a:r>
+            <a:r>
+              <a:rPr lang="en-US" altLang="zh-TW" dirty="0" smtClean="0"/>
+              <a:t> = { "</a:t>
+            </a:r>
+            <a:r>
+              <a:rPr lang="en-US" altLang="zh-TW" dirty="0" err="1" smtClean="0"/>
+              <a:t>name":"John</a:t>
+            </a:r>
+            <a:r>
+              <a:rPr lang="en-US" altLang="zh-TW" dirty="0" smtClean="0"/>
+              <a:t>",  "</a:t>
+            </a:r>
+            <a:r>
+              <a:rPr lang="en-US" altLang="zh-TW" dirty="0" err="1" smtClean="0"/>
+              <a:t>age":30</a:t>
+            </a:r>
+            <a:r>
+              <a:rPr lang="en-US" altLang="zh-TW" dirty="0" smtClean="0"/>
+              <a:t>,</a:t>
+            </a:r>
+          </a:p>
+          <a:p>
+            <a:pPr lvl="1">
+              <a:buFont typeface="Wingdings" pitchFamily="2" charset="2"/>
+              <a:buChar char="Ø"/>
+            </a:pPr>
+            <a:r>
+              <a:rPr lang="en-US" altLang="zh-TW" dirty="0" smtClean="0"/>
+              <a:t> </a:t>
+            </a:r>
+            <a:r>
+              <a:rPr lang="en-US" altLang="zh-TW" dirty="0" smtClean="0">
+                <a:solidFill>
+                  <a:srgbClr val="FF0000"/>
+                </a:solidFill>
+              </a:rPr>
+              <a:t>"cars": { "</a:t>
+            </a:r>
+            <a:r>
+              <a:rPr lang="en-US" altLang="zh-TW" dirty="0" err="1" smtClean="0">
+                <a:solidFill>
+                  <a:srgbClr val="FF0000"/>
+                </a:solidFill>
+              </a:rPr>
+              <a:t>car1</a:t>
+            </a:r>
+            <a:r>
+              <a:rPr lang="en-US" altLang="zh-TW" dirty="0" smtClean="0">
+                <a:solidFill>
+                  <a:srgbClr val="FF0000"/>
+                </a:solidFill>
+              </a:rPr>
+              <a:t>":"Ford", "</a:t>
+            </a:r>
+            <a:r>
+              <a:rPr lang="en-US" altLang="zh-TW" dirty="0" err="1" smtClean="0">
+                <a:solidFill>
+                  <a:srgbClr val="FF0000"/>
+                </a:solidFill>
+              </a:rPr>
+              <a:t>car2</a:t>
+            </a:r>
+            <a:r>
+              <a:rPr lang="en-US" altLang="zh-TW" dirty="0" smtClean="0">
+                <a:solidFill>
+                  <a:srgbClr val="FF0000"/>
+                </a:solidFill>
+              </a:rPr>
+              <a:t>":"BMW",</a:t>
+            </a:r>
+            <a:r>
+              <a:rPr lang="zh-TW" altLang="en-US" dirty="0" smtClean="0">
+                <a:solidFill>
+                  <a:srgbClr val="FF0000"/>
+                </a:solidFill>
+              </a:rPr>
+              <a:t> </a:t>
+            </a:r>
+            <a:r>
+              <a:rPr lang="en-US" altLang="zh-TW" dirty="0" smtClean="0">
+                <a:solidFill>
+                  <a:srgbClr val="FF0000"/>
+                </a:solidFill>
+              </a:rPr>
+              <a:t>"</a:t>
+            </a:r>
+            <a:r>
+              <a:rPr lang="en-US" altLang="zh-TW" dirty="0" err="1" smtClean="0">
+                <a:solidFill>
+                  <a:srgbClr val="FF0000"/>
+                </a:solidFill>
+              </a:rPr>
+              <a:t>car3</a:t>
+            </a:r>
+            <a:r>
+              <a:rPr lang="en-US" altLang="zh-TW" dirty="0" smtClean="0">
+                <a:solidFill>
+                  <a:srgbClr val="FF0000"/>
+                </a:solidFill>
+              </a:rPr>
+              <a:t>":"Fiat"  }</a:t>
+            </a:r>
+          </a:p>
+          <a:p>
+            <a:pPr lvl="1">
+              <a:buFont typeface="Wingdings" pitchFamily="2" charset="2"/>
+              <a:buChar char="Ø"/>
+            </a:pPr>
+            <a:r>
+              <a:rPr lang="en-US" altLang="zh-TW" dirty="0" smtClean="0"/>
+              <a:t>}</a:t>
+            </a:r>
+          </a:p>
+          <a:p>
+            <a:pPr>
+              <a:buFont typeface="Wingdings" pitchFamily="2" charset="2"/>
+              <a:buChar char="Ø"/>
+            </a:pPr>
+            <a:r>
+              <a:rPr lang="zh-TW" altLang="en-US" dirty="0" smtClean="0"/>
+              <a:t>範例二</a:t>
+            </a:r>
+            <a:r>
+              <a:rPr lang="en-US" altLang="zh-TW" dirty="0" smtClean="0"/>
+              <a:t>: </a:t>
+            </a:r>
+            <a:r>
+              <a:rPr lang="en-US" altLang="zh-TW" dirty="0"/>
+              <a:t>value </a:t>
+            </a:r>
+            <a:r>
+              <a:rPr lang="zh-TW" altLang="en-US" dirty="0" smtClean="0"/>
+              <a:t>為陣列</a:t>
+            </a:r>
+            <a:endParaRPr lang="zh-TW" altLang="en-US" dirty="0"/>
+          </a:p>
+          <a:p>
+            <a:pPr lvl="1">
+              <a:buFont typeface="Wingdings" pitchFamily="2" charset="2"/>
+              <a:buChar char="Ø"/>
+            </a:pPr>
+            <a:r>
+              <a:rPr lang="en-US" altLang="zh-TW" dirty="0" smtClean="0"/>
+              <a:t> </a:t>
+            </a:r>
+            <a:r>
+              <a:rPr lang="en-US" altLang="zh-TW" dirty="0" err="1" smtClean="0"/>
+              <a:t>var</a:t>
+            </a:r>
+            <a:r>
+              <a:rPr lang="en-US" altLang="zh-TW" dirty="0" smtClean="0"/>
+              <a:t> </a:t>
+            </a:r>
+            <a:r>
+              <a:rPr lang="en-US" altLang="zh-TW" dirty="0" err="1" smtClean="0"/>
+              <a:t>myObj</a:t>
+            </a:r>
+            <a:r>
+              <a:rPr lang="en-US" altLang="zh-TW" dirty="0" smtClean="0"/>
+              <a:t> = { "</a:t>
+            </a:r>
+            <a:r>
+              <a:rPr lang="en-US" altLang="zh-TW" dirty="0" err="1" smtClean="0"/>
+              <a:t>name":"John","age":30</a:t>
+            </a:r>
+            <a:r>
+              <a:rPr lang="en-US" altLang="zh-TW" dirty="0" smtClean="0"/>
+              <a:t>,</a:t>
+            </a:r>
+          </a:p>
+          <a:p>
+            <a:pPr lvl="1">
+              <a:buFont typeface="Wingdings" pitchFamily="2" charset="2"/>
+              <a:buChar char="Ø"/>
+            </a:pPr>
+            <a:r>
+              <a:rPr lang="en-US" altLang="zh-TW" dirty="0" smtClean="0"/>
+              <a:t> </a:t>
+            </a:r>
+            <a:r>
+              <a:rPr lang="en-US" altLang="zh-TW" dirty="0" smtClean="0">
+                <a:solidFill>
+                  <a:srgbClr val="FF0000"/>
+                </a:solidFill>
+              </a:rPr>
+              <a:t>"cars": ["Ford", "BMW", "Fiat"]</a:t>
+            </a:r>
+          </a:p>
+          <a:p>
+            <a:pPr lvl="1">
+              <a:buFont typeface="Wingdings" pitchFamily="2" charset="2"/>
+              <a:buChar char="Ø"/>
+            </a:pPr>
+            <a:r>
+              <a:rPr lang="en-US" altLang="zh-TW" dirty="0" smtClean="0"/>
+              <a:t> }</a:t>
+            </a:r>
+          </a:p>
+          <a:p>
+            <a:pPr>
+              <a:buFont typeface="Wingdings" pitchFamily="2" charset="2"/>
+              <a:buChar char="Ø"/>
+            </a:pPr>
+            <a:endParaRPr lang="en-US" altLang="zh-TW" dirty="0"/>
+          </a:p>
+        </p:txBody>
+      </p:sp>
+    </p:spTree>
+    <p:extLst>
+      <p:ext uri="{BB962C8B-B14F-4D97-AF65-F5344CB8AC3E}">
+        <p14:creationId xmlns:p14="http://schemas.microsoft.com/office/powerpoint/2010/main" val="3687398780"/>
+      </p:ext>
+    </p:extLst>
+  </p:cSld>
+  <p:clrMapOvr>
+    <a:masterClrMapping/>
+  </p:clrMapOvr>
+  <p:transition/>
+  <p:timing>
+    <p:tnLst>
+      <p:par>
+        <p:cTn id="1" dur="indefinite" restart="never" nodeType="tmRoot"/>
+      </p:par>
+    </p:tnLst>
+  </p:timing>
+</p:sld>
+</file>
+
+<file path=ppt/slides/slide13.xml><?xml version="1.0" encoding="utf-8"?>
+<p:sld xmlns:a="http://schemas.openxmlformats.org/drawingml/2006/main" xmlns:r="http://schemas.openxmlformats.org/officeDocument/2006/relationships" xmlns:p="http://schemas.openxmlformats.org/presentationml/2006/main">
+  <p:cSld>
+    <p:spTree>
+      <p:nvGrpSpPr>
+        <p:cNvPr id="1" name=""/>
+        <p:cNvGrpSpPr/>
+        <p:nvPr/>
+      </p:nvGrpSpPr>
+      <p:grpSpPr>
+        <a:xfrm>
+          <a:off x="0" y="0"/>
+          <a:ext cx="0" cy="0"/>
+          <a:chOff x="0" y="0"/>
+          <a:chExt cx="0" cy="0"/>
+        </a:xfrm>
+      </p:grpSpPr>
+      <p:sp>
+        <p:nvSpPr>
           <p:cNvPr id="2" name="標題 1"/>
           <p:cNvSpPr>
             <a:spLocks noGrp="1"/>
@@ -7479,7 +8175,7 @@
 </p:sld>
 </file>
 
-<file path=ppt/slides/slide13.xml><?xml version="1.0" encoding="utf-8"?>
+<file path=ppt/slides/slide14.xml><?xml version="1.0" encoding="utf-8"?>
 <p:sld xmlns:a="http://schemas.openxmlformats.org/drawingml/2006/main" xmlns:r="http://schemas.openxmlformats.org/officeDocument/2006/relationships" xmlns:p="http://schemas.openxmlformats.org/presentationml/2006/main">
   <p:cSld>
     <p:spTree>
@@ -8391,11 +9087,7 @@
           <a:p>
             <a:r>
               <a:rPr lang="zh-TW" altLang="en-US" dirty="0" smtClean="0"/>
-              <a:t>可包含多個成員，成員間</a:t>
-            </a:r>
-            <a:r>
-              <a:rPr lang="zh-TW" altLang="en-US" dirty="0" smtClean="0"/>
-              <a:t>使用</a:t>
+              <a:t>可包含多個成員，成員間使用</a:t>
             </a:r>
             <a:r>
               <a:rPr lang="zh-TW" altLang="en-US" dirty="0" smtClean="0">
@@ -8415,11 +9107,7 @@
             </a:r>
             <a:r>
               <a:rPr lang="zh-TW" altLang="en-US" dirty="0" smtClean="0"/>
-              <a:t>分割</a:t>
-            </a:r>
-            <a:r>
-              <a:rPr lang="zh-TW" altLang="en-US" dirty="0" smtClean="0"/>
-              <a:t>。</a:t>
+              <a:t>分割。</a:t>
             </a:r>
             <a:endParaRPr lang="en-US" altLang="zh-TW" dirty="0" smtClean="0"/>
           </a:p>
@@ -10143,360 +10831,32 @@
       </p:grpSpPr>
       <p:sp>
         <p:nvSpPr>
-          <p:cNvPr id="3" name="內容版面配置區 2"/>
+          <p:cNvPr id="4" name="標題 3"/>
           <p:cNvSpPr>
             <a:spLocks noGrp="1"/>
           </p:cNvSpPr>
           <p:nvPr>
-            <p:ph idx="1"/>
+            <p:ph type="title"/>
           </p:nvPr>
         </p:nvSpPr>
         <p:spPr>
           <a:xfrm>
-            <a:off x="500522" y="1556792"/>
-            <a:ext cx="8229600" cy="4525963"/>
-          </a:xfrm>
-        </p:spPr>
-        <p:txBody>
-          <a:bodyPr/>
-          <a:lstStyle/>
-          <a:p>
-            <a:r>
-              <a:rPr lang="zh-TW" altLang="en-US" dirty="0" smtClean="0"/>
-              <a:t>許多網站可使用 </a:t>
-            </a:r>
-            <a:r>
-              <a:rPr lang="en-US" altLang="zh-TW" dirty="0" smtClean="0"/>
-              <a:t>HTTP</a:t>
-            </a:r>
-            <a:r>
-              <a:rPr lang="zh-TW" altLang="en-US" dirty="0" smtClean="0"/>
-              <a:t> 存取格式化資料</a:t>
-            </a:r>
-            <a:endParaRPr lang="en-US" altLang="zh-TW" dirty="0" smtClean="0"/>
-          </a:p>
-          <a:p>
-            <a:r>
-              <a:rPr lang="en-US" altLang="zh-TW" dirty="0" err="1" smtClean="0"/>
-              <a:t>JSON</a:t>
-            </a:r>
-            <a:r>
-              <a:rPr lang="zh-TW" altLang="en-US" dirty="0" smtClean="0"/>
-              <a:t> </a:t>
-            </a:r>
-            <a:r>
-              <a:rPr lang="en-US" altLang="zh-TW" dirty="0" smtClean="0"/>
-              <a:t>or XML </a:t>
-            </a:r>
-            <a:r>
-              <a:rPr lang="zh-TW" altLang="en-US" dirty="0" smtClean="0"/>
-              <a:t>格式，範例</a:t>
-            </a:r>
-            <a:r>
-              <a:rPr lang="en-US" altLang="zh-TW" dirty="0" smtClean="0"/>
-              <a:t>:</a:t>
-            </a:r>
-          </a:p>
-          <a:p>
-            <a:pPr lvl="1"/>
-            <a:r>
-              <a:rPr lang="en-US" altLang="zh-TW" dirty="0" err="1" smtClean="0"/>
-              <a:t>W3CSchool</a:t>
-            </a:r>
-            <a:endParaRPr lang="en-US" altLang="zh-TW" dirty="0" smtClean="0"/>
-          </a:p>
-          <a:p>
-            <a:pPr lvl="2"/>
-            <a:r>
-              <a:rPr lang="en-US" altLang="zh-TW" dirty="0"/>
-              <a:t>https://</a:t>
-            </a:r>
-            <a:r>
-              <a:rPr lang="en-US" altLang="zh-TW" dirty="0" err="1" smtClean="0"/>
-              <a:t>www.w3schools.com</a:t>
-            </a:r>
-            <a:r>
-              <a:rPr lang="en-US" altLang="zh-TW" dirty="0" smtClean="0"/>
-              <a:t>/</a:t>
-            </a:r>
-            <a:r>
-              <a:rPr lang="en-US" altLang="zh-TW" dirty="0" err="1" smtClean="0"/>
-              <a:t>js</a:t>
-            </a:r>
-            <a:r>
-              <a:rPr lang="en-US" altLang="zh-TW" dirty="0" smtClean="0"/>
-              <a:t>/</a:t>
-            </a:r>
-            <a:r>
-              <a:rPr lang="en-US" altLang="zh-TW" dirty="0" err="1" smtClean="0"/>
-              <a:t>myTutorials.txt</a:t>
-            </a:r>
-            <a:endParaRPr lang="en-US" altLang="zh-TW" dirty="0"/>
-          </a:p>
-          <a:p>
-            <a:pPr lvl="2"/>
-            <a:r>
-              <a:rPr lang="en-US" altLang="zh-TW" dirty="0"/>
-              <a:t>https://</a:t>
-            </a:r>
-            <a:r>
-              <a:rPr lang="en-US" altLang="zh-TW" dirty="0" err="1" smtClean="0"/>
-              <a:t>www.w3schools.com</a:t>
-            </a:r>
-            <a:r>
-              <a:rPr lang="en-US" altLang="zh-TW" dirty="0" smtClean="0"/>
-              <a:t>/</a:t>
-            </a:r>
-            <a:r>
-              <a:rPr lang="en-US" altLang="zh-TW" dirty="0" err="1" smtClean="0"/>
-              <a:t>js</a:t>
-            </a:r>
-            <a:r>
-              <a:rPr lang="en-US" altLang="zh-TW" dirty="0" smtClean="0"/>
-              <a:t>/</a:t>
-            </a:r>
-            <a:r>
-              <a:rPr lang="en-US" altLang="zh-TW" dirty="0" err="1" smtClean="0"/>
-              <a:t>tryit.asp?filename</a:t>
-            </a:r>
-            <a:r>
-              <a:rPr lang="en-US" altLang="zh-TW" dirty="0" smtClean="0"/>
-              <a:t>=</a:t>
-            </a:r>
-            <a:r>
-              <a:rPr lang="en-US" altLang="zh-TW" dirty="0" err="1" smtClean="0"/>
-              <a:t>tryjson_http</a:t>
-            </a:r>
-            <a:endParaRPr lang="en-US" altLang="zh-TW" dirty="0" smtClean="0"/>
-          </a:p>
-          <a:p>
-            <a:pPr lvl="1"/>
-            <a:r>
-              <a:rPr lang="en-US" altLang="zh-TW" dirty="0" err="1" smtClean="0"/>
-              <a:t>hapi</a:t>
-            </a:r>
-            <a:r>
-              <a:rPr lang="en-US" altLang="zh-TW" dirty="0" smtClean="0"/>
-              <a:t> </a:t>
-            </a:r>
-            <a:r>
-              <a:rPr lang="en-US" altLang="zh-TW" dirty="0" err="1" smtClean="0"/>
-              <a:t>FHIR</a:t>
-            </a:r>
-            <a:r>
-              <a:rPr lang="en-US" altLang="zh-TW" dirty="0" smtClean="0"/>
-              <a:t> server</a:t>
-            </a:r>
-          </a:p>
-          <a:p>
-            <a:pPr lvl="2"/>
-            <a:r>
-              <a:rPr lang="en-US" altLang="zh-TW" dirty="0"/>
-              <a:t>https://</a:t>
-            </a:r>
-            <a:r>
-              <a:rPr lang="en-US" altLang="zh-TW" dirty="0" err="1"/>
-              <a:t>fhirtest.uhn.ca</a:t>
-            </a:r>
-            <a:r>
-              <a:rPr lang="en-US" altLang="zh-TW" dirty="0"/>
-              <a:t>/</a:t>
-            </a:r>
-            <a:endParaRPr lang="zh-TW" altLang="en-US" dirty="0"/>
-          </a:p>
-        </p:txBody>
-      </p:sp>
-      <p:sp>
-        <p:nvSpPr>
-          <p:cNvPr id="4" name="標題 3"/>
-          <p:cNvSpPr txBox="1">
-            <a:spLocks/>
-          </p:cNvSpPr>
-          <p:nvPr/>
-        </p:nvSpPr>
-        <p:spPr bwMode="auto">
-          <a:xfrm>
             <a:off x="467544" y="116632"/>
             <a:ext cx="8229600" cy="1143000"/>
           </a:xfrm>
-          <a:prstGeom prst="rect">
-            <a:avLst/>
-          </a:prstGeom>
-          <a:noFill/>
-          <a:ln>
-            <a:noFill/>
-          </a:ln>
-          <a:extLst>
-            <a:ext uri="{909E8E84-426E-40DD-AFC4-6F175D3DCCD1}">
-              <a14:hiddenFill xmlns:a14="http://schemas.microsoft.com/office/drawing/2010/main">
-                <a:solidFill>
-                  <a:srgbClr val="FFFFFF"/>
-                </a:solidFill>
-              </a14:hiddenFill>
-            </a:ext>
-            <a:ext uri="{91240B29-F687-4F45-9708-019B960494DF}">
-              <a14:hiddenLine xmlns:a14="http://schemas.microsoft.com/office/drawing/2010/main" w="9525">
-                <a:solidFill>
-                  <a:srgbClr val="000000"/>
-                </a:solidFill>
-                <a:miter lim="800000"/>
-                <a:headEnd/>
-                <a:tailEnd/>
-              </a14:hiddenLine>
-            </a:ext>
-          </a:extLst>
+          <a:extLst/>
         </p:spPr>
         <p:txBody>
-          <a:bodyPr vert="horz" wrap="square" lIns="91440" tIns="45720" rIns="91440" bIns="45720" numCol="1" anchor="ctr" anchorCtr="0" compatLnSpc="1">
-            <a:prstTxWarp prst="textNoShape">
-              <a:avLst/>
-            </a:prstTxWarp>
+          <a:bodyPr>
             <a:normAutofit/>
           </a:bodyPr>
-          <a:lstStyle>
-            <a:lvl1pPr algn="ctr" rtl="0" eaLnBrk="0" fontAlgn="base" hangingPunct="0">
-              <a:spcBef>
-                <a:spcPct val="0"/>
-              </a:spcBef>
-              <a:spcAft>
-                <a:spcPct val="0"/>
-              </a:spcAft>
-              <a:defRPr sz="4400" kern="1200">
-                <a:solidFill>
-                  <a:schemeClr val="tx1"/>
-                </a:solidFill>
-                <a:latin typeface="+mj-lt"/>
-                <a:ea typeface="+mj-ea"/>
-                <a:cs typeface="+mj-cs"/>
-              </a:defRPr>
-            </a:lvl1pPr>
-            <a:lvl2pPr algn="ctr" rtl="0" eaLnBrk="0" fontAlgn="base" hangingPunct="0">
-              <a:spcBef>
-                <a:spcPct val="0"/>
-              </a:spcBef>
-              <a:spcAft>
-                <a:spcPct val="0"/>
-              </a:spcAft>
-              <a:defRPr sz="4400">
-                <a:solidFill>
-                  <a:schemeClr val="tx1"/>
-                </a:solidFill>
-                <a:latin typeface="Calibri" pitchFamily="34" charset="0"/>
-                <a:ea typeface="新細明體" charset="-120"/>
-              </a:defRPr>
-            </a:lvl2pPr>
-            <a:lvl3pPr algn="ctr" rtl="0" eaLnBrk="0" fontAlgn="base" hangingPunct="0">
-              <a:spcBef>
-                <a:spcPct val="0"/>
-              </a:spcBef>
-              <a:spcAft>
-                <a:spcPct val="0"/>
-              </a:spcAft>
-              <a:defRPr sz="4400">
-                <a:solidFill>
-                  <a:schemeClr val="tx1"/>
-                </a:solidFill>
-                <a:latin typeface="Calibri" pitchFamily="34" charset="0"/>
-                <a:ea typeface="新細明體" charset="-120"/>
-              </a:defRPr>
-            </a:lvl3pPr>
-            <a:lvl4pPr algn="ctr" rtl="0" eaLnBrk="0" fontAlgn="base" hangingPunct="0">
-              <a:spcBef>
-                <a:spcPct val="0"/>
-              </a:spcBef>
-              <a:spcAft>
-                <a:spcPct val="0"/>
-              </a:spcAft>
-              <a:defRPr sz="4400">
-                <a:solidFill>
-                  <a:schemeClr val="tx1"/>
-                </a:solidFill>
-                <a:latin typeface="Calibri" pitchFamily="34" charset="0"/>
-                <a:ea typeface="新細明體" charset="-120"/>
-              </a:defRPr>
-            </a:lvl4pPr>
-            <a:lvl5pPr algn="ctr" rtl="0" eaLnBrk="0" fontAlgn="base" hangingPunct="0">
-              <a:spcBef>
-                <a:spcPct val="0"/>
-              </a:spcBef>
-              <a:spcAft>
-                <a:spcPct val="0"/>
-              </a:spcAft>
-              <a:defRPr sz="4400">
-                <a:solidFill>
-                  <a:schemeClr val="tx1"/>
-                </a:solidFill>
-                <a:latin typeface="Calibri" pitchFamily="34" charset="0"/>
-                <a:ea typeface="新細明體" charset="-120"/>
-              </a:defRPr>
-            </a:lvl5pPr>
-            <a:lvl6pPr marL="457200" algn="ctr" rtl="0" fontAlgn="base">
-              <a:spcBef>
-                <a:spcPct val="0"/>
-              </a:spcBef>
-              <a:spcAft>
-                <a:spcPct val="0"/>
-              </a:spcAft>
-              <a:defRPr sz="4400">
-                <a:solidFill>
-                  <a:schemeClr val="tx1"/>
-                </a:solidFill>
-                <a:latin typeface="Calibri" pitchFamily="34" charset="0"/>
-                <a:ea typeface="新細明體" charset="-120"/>
-              </a:defRPr>
-            </a:lvl6pPr>
-            <a:lvl7pPr marL="914400" algn="ctr" rtl="0" fontAlgn="base">
-              <a:spcBef>
-                <a:spcPct val="0"/>
-              </a:spcBef>
-              <a:spcAft>
-                <a:spcPct val="0"/>
-              </a:spcAft>
-              <a:defRPr sz="4400">
-                <a:solidFill>
-                  <a:schemeClr val="tx1"/>
-                </a:solidFill>
-                <a:latin typeface="Calibri" pitchFamily="34" charset="0"/>
-                <a:ea typeface="新細明體" charset="-120"/>
-              </a:defRPr>
-            </a:lvl7pPr>
-            <a:lvl8pPr marL="1371600" algn="ctr" rtl="0" fontAlgn="base">
-              <a:spcBef>
-                <a:spcPct val="0"/>
-              </a:spcBef>
-              <a:spcAft>
-                <a:spcPct val="0"/>
-              </a:spcAft>
-              <a:defRPr sz="4400">
-                <a:solidFill>
-                  <a:schemeClr val="tx1"/>
-                </a:solidFill>
-                <a:latin typeface="Calibri" pitchFamily="34" charset="0"/>
-                <a:ea typeface="新細明體" charset="-120"/>
-              </a:defRPr>
-            </a:lvl8pPr>
-            <a:lvl9pPr marL="1828800" algn="ctr" rtl="0" fontAlgn="base">
-              <a:spcBef>
-                <a:spcPct val="0"/>
-              </a:spcBef>
-              <a:spcAft>
-                <a:spcPct val="0"/>
-              </a:spcAft>
-              <a:defRPr sz="4400">
-                <a:solidFill>
-                  <a:schemeClr val="tx1"/>
-                </a:solidFill>
-                <a:latin typeface="Calibri" pitchFamily="34" charset="0"/>
-                <a:ea typeface="新細明體" charset="-120"/>
-              </a:defRPr>
-            </a:lvl9pPr>
-          </a:lstStyle>
+          <a:lstStyle/>
           <a:p>
             <a:pPr>
               <a:defRPr/>
             </a:pPr>
             <a:r>
-              <a:rPr kumimoji="0" lang="en-US" altLang="zh-TW" b="1" cap="all" dirty="0" smtClean="0">
+              <a:rPr lang="en-US" altLang="zh-TW" b="1" cap="all" dirty="0" err="1" smtClean="0">
                 <a:ln w="9000" cmpd="sng">
                   <a:solidFill>
                     <a:schemeClr val="accent4">
@@ -10538,10 +10898,10 @@
                   <a:reflection blurRad="12700" stA="28000" endPos="45000" dist="1000" dir="5400000" sy="-100000" algn="bl" rotWithShape="0"/>
                 </a:effectLst>
               </a:rPr>
-              <a:t>HTTP </a:t>
-            </a:r>
-            <a:r>
-              <a:rPr kumimoji="0" lang="en-US" altLang="zh-TW" b="1" cap="all" dirty="0">
+              <a:t>JSON</a:t>
+            </a:r>
+            <a:r>
+              <a:rPr lang="zh-TW" altLang="en-US" b="1" cap="all" dirty="0" smtClean="0">
                 <a:ln w="9000" cmpd="sng">
                   <a:solidFill>
                     <a:schemeClr val="accent4">
@@ -10583,10 +10943,10 @@
                   <a:reflection blurRad="12700" stA="28000" endPos="45000" dist="1000" dir="5400000" sy="-100000" algn="bl" rotWithShape="0"/>
                 </a:effectLst>
               </a:rPr>
-              <a:t>get </a:t>
-            </a:r>
-            <a:r>
-              <a:rPr kumimoji="0" lang="en-US" altLang="zh-TW" b="1" cap="all" dirty="0" err="1">
+              <a:t> </a:t>
+            </a:r>
+            <a:r>
+              <a:rPr lang="en-US" altLang="zh-TW" b="1" cap="all" dirty="0" smtClean="0">
                 <a:ln w="9000" cmpd="sng">
                   <a:solidFill>
                     <a:schemeClr val="accent4">
@@ -10628,10 +10988,10 @@
                   <a:reflection blurRad="12700" stA="28000" endPos="45000" dist="1000" dir="5400000" sy="-100000" algn="bl" rotWithShape="0"/>
                 </a:effectLst>
               </a:rPr>
-              <a:t>JSON</a:t>
-            </a:r>
-            <a:r>
-              <a:rPr kumimoji="0" lang="en-US" altLang="zh-TW" b="1" cap="all" dirty="0">
+              <a:t>{}</a:t>
+            </a:r>
+            <a:r>
+              <a:rPr lang="zh-TW" altLang="en-US" b="1" cap="all" dirty="0" smtClean="0">
                 <a:ln w="9000" cmpd="sng">
                   <a:solidFill>
                     <a:schemeClr val="accent4">
@@ -10673,9 +11033,99 @@
                   <a:reflection blurRad="12700" stA="28000" endPos="45000" dist="1000" dir="5400000" sy="-100000" algn="bl" rotWithShape="0"/>
                 </a:effectLst>
               </a:rPr>
-              <a:t> data</a:t>
-            </a:r>
-            <a:endParaRPr kumimoji="0" lang="zh-TW" altLang="en-US" b="1" cap="all" dirty="0">
+              <a:t> 與 </a:t>
+            </a:r>
+            <a:r>
+              <a:rPr lang="en-US" altLang="zh-TW" b="1" cap="all" dirty="0" smtClean="0">
+                <a:ln w="9000" cmpd="sng">
+                  <a:solidFill>
+                    <a:schemeClr val="accent4">
+                      <a:shade val="50000"/>
+                      <a:satMod val="120000"/>
+                    </a:schemeClr>
+                  </a:solidFill>
+                  <a:prstDash val="solid"/>
+                </a:ln>
+                <a:gradFill>
+                  <a:gsLst>
+                    <a:gs pos="0">
+                      <a:schemeClr val="accent4">
+                        <a:shade val="20000"/>
+                        <a:satMod val="245000"/>
+                      </a:schemeClr>
+                    </a:gs>
+                    <a:gs pos="43000">
+                      <a:schemeClr val="accent4">
+                        <a:satMod val="255000"/>
+                      </a:schemeClr>
+                    </a:gs>
+                    <a:gs pos="48000">
+                      <a:schemeClr val="accent4">
+                        <a:shade val="85000"/>
+                        <a:satMod val="255000"/>
+                      </a:schemeClr>
+                    </a:gs>
+                    <a:gs pos="100000">
+                      <a:schemeClr val="accent4">
+                        <a:shade val="20000"/>
+                        <a:satMod val="245000"/>
+                      </a:schemeClr>
+                    </a:gs>
+                  </a:gsLst>
+                  <a:lin ang="5400000"/>
+                </a:gradFill>
+                <a:effectLst>
+                  <a:reflection blurRad="12700" stA="28000" endPos="45000" dist="1000" dir="5400000" sy="-100000" algn="bl" rotWithShape="0"/>
+                </a:effectLst>
+              </a:rPr>
+              <a:t>[]</a:t>
+            </a:r>
+            <a:r>
+              <a:rPr lang="zh-TW" altLang="en-US" b="1" cap="all" dirty="0" smtClean="0">
+                <a:ln w="9000" cmpd="sng">
+                  <a:solidFill>
+                    <a:schemeClr val="accent4">
+                      <a:shade val="50000"/>
+                      <a:satMod val="120000"/>
+                    </a:schemeClr>
+                  </a:solidFill>
+                  <a:prstDash val="solid"/>
+                </a:ln>
+                <a:gradFill>
+                  <a:gsLst>
+                    <a:gs pos="0">
+                      <a:schemeClr val="accent4">
+                        <a:shade val="20000"/>
+                        <a:satMod val="245000"/>
+                      </a:schemeClr>
+                    </a:gs>
+                    <a:gs pos="43000">
+                      <a:schemeClr val="accent4">
+                        <a:satMod val="255000"/>
+                      </a:schemeClr>
+                    </a:gs>
+                    <a:gs pos="48000">
+                      <a:schemeClr val="accent4">
+                        <a:shade val="85000"/>
+                        <a:satMod val="255000"/>
+                      </a:schemeClr>
+                    </a:gs>
+                    <a:gs pos="100000">
+                      <a:schemeClr val="accent4">
+                        <a:shade val="20000"/>
+                        <a:satMod val="245000"/>
+                      </a:schemeClr>
+                    </a:gs>
+                  </a:gsLst>
+                  <a:lin ang="5400000"/>
+                </a:gradFill>
+                <a:effectLst>
+                  <a:reflection blurRad="12700" stA="28000" endPos="45000" dist="1000" dir="5400000" sy="-100000" algn="bl" rotWithShape="0"/>
+                </a:effectLst>
+              </a:rPr>
+              <a:t> 資料差異</a:t>
+            </a:r>
+            <a:endParaRPr lang="zh-TW" altLang="en-US" b="1" cap="all" dirty="0">
               <a:ln w="9000" cmpd="sng">
                 <a:solidFill>
                   <a:schemeClr val="accent4">
@@ -10720,10 +11170,407 @@
           </a:p>
         </p:txBody>
       </p:sp>
+      <p:sp>
+        <p:nvSpPr>
+          <p:cNvPr id="11267" name="內容版面配置區 4"/>
+          <p:cNvSpPr>
+            <a:spLocks noGrp="1"/>
+          </p:cNvSpPr>
+          <p:nvPr>
+            <p:ph idx="1"/>
+          </p:nvPr>
+        </p:nvSpPr>
+        <p:spPr>
+          <a:xfrm>
+            <a:off x="539552" y="1268760"/>
+            <a:ext cx="8229600" cy="4751387"/>
+          </a:xfrm>
+        </p:spPr>
+        <p:txBody>
+          <a:bodyPr/>
+          <a:lstStyle/>
+          <a:p>
+            <a:pPr>
+              <a:buFont typeface="Wingdings" pitchFamily="2" charset="2"/>
+              <a:buChar char="Ø"/>
+            </a:pPr>
+            <a:r>
+              <a:rPr lang="en-US" altLang="zh-TW" dirty="0" smtClean="0"/>
+              <a:t>{}</a:t>
+            </a:r>
+            <a:r>
+              <a:rPr lang="zh-TW" altLang="en-US" dirty="0" smtClean="0"/>
+              <a:t> </a:t>
+            </a:r>
+            <a:r>
+              <a:rPr lang="en-US" altLang="zh-TW" dirty="0" smtClean="0"/>
+              <a:t>:</a:t>
+            </a:r>
+            <a:r>
+              <a:rPr lang="zh-TW" altLang="en-US" dirty="0" smtClean="0"/>
+              <a:t> </a:t>
+            </a:r>
+            <a:r>
+              <a:rPr lang="en-US" altLang="zh-TW" dirty="0" smtClean="0"/>
+              <a:t>name value pair </a:t>
+            </a:r>
+            <a:r>
+              <a:rPr lang="zh-TW" altLang="en-US" dirty="0" smtClean="0"/>
+              <a:t>方式存取，例如</a:t>
+            </a:r>
+            <a:r>
+              <a:rPr lang="en-US" altLang="zh-TW" dirty="0" smtClean="0"/>
+              <a:t>:</a:t>
+            </a:r>
+          </a:p>
+          <a:p>
+            <a:pPr marL="457200" lvl="1" indent="0">
+              <a:buNone/>
+            </a:pPr>
+            <a:r>
+              <a:rPr lang="en-US" altLang="zh-TW" dirty="0" err="1" smtClean="0">
+                <a:solidFill>
+                  <a:srgbClr val="7030A0"/>
+                </a:solidFill>
+              </a:rPr>
+              <a:t>var</a:t>
+            </a:r>
+            <a:r>
+              <a:rPr lang="en-US" altLang="zh-TW" dirty="0" smtClean="0">
+                <a:solidFill>
+                  <a:srgbClr val="7030A0"/>
+                </a:solidFill>
+              </a:rPr>
+              <a:t> person = </a:t>
+            </a:r>
+            <a:r>
+              <a:rPr lang="en-US" altLang="zh-TW" dirty="0" smtClean="0">
+                <a:solidFill>
+                  <a:srgbClr val="FF0000"/>
+                </a:solidFill>
+              </a:rPr>
+              <a:t>{</a:t>
+            </a:r>
+            <a:r>
+              <a:rPr lang="en-US" altLang="zh-TW" dirty="0" err="1" smtClean="0">
+                <a:solidFill>
+                  <a:srgbClr val="7030A0"/>
+                </a:solidFill>
+              </a:rPr>
+              <a:t>firstName</a:t>
+            </a:r>
+            <a:r>
+              <a:rPr lang="en-US" altLang="zh-TW" dirty="0" smtClean="0">
+                <a:solidFill>
+                  <a:srgbClr val="7030A0"/>
+                </a:solidFill>
+              </a:rPr>
+              <a:t>:"John", </a:t>
+            </a:r>
+            <a:r>
+              <a:rPr lang="en-US" altLang="zh-TW" dirty="0" err="1" smtClean="0">
+                <a:solidFill>
+                  <a:srgbClr val="7030A0"/>
+                </a:solidFill>
+              </a:rPr>
+              <a:t>lastName</a:t>
+            </a:r>
+            <a:r>
+              <a:rPr lang="en-US" altLang="zh-TW" dirty="0" smtClean="0">
+                <a:solidFill>
+                  <a:srgbClr val="7030A0"/>
+                </a:solidFill>
+              </a:rPr>
+              <a:t>:"</a:t>
+            </a:r>
+            <a:r>
+              <a:rPr lang="en-US" altLang="zh-TW" dirty="0" smtClean="0">
+                <a:solidFill>
+                  <a:srgbClr val="7030A0"/>
+                </a:solidFill>
+              </a:rPr>
+              <a:t>Doe"</a:t>
+            </a:r>
+            <a:r>
+              <a:rPr lang="en-US" altLang="zh-TW" dirty="0" smtClean="0">
+                <a:solidFill>
+                  <a:srgbClr val="FF0000"/>
+                </a:solidFill>
+              </a:rPr>
+              <a:t>}</a:t>
+            </a:r>
+            <a:r>
+              <a:rPr lang="en-US" altLang="zh-TW" dirty="0" smtClean="0">
+                <a:solidFill>
+                  <a:srgbClr val="7030A0"/>
+                </a:solidFill>
+              </a:rPr>
+              <a:t>;</a:t>
+            </a:r>
+            <a:endParaRPr lang="en-US" altLang="zh-TW" dirty="0" smtClean="0">
+              <a:solidFill>
+                <a:srgbClr val="7030A0"/>
+              </a:solidFill>
+            </a:endParaRPr>
+          </a:p>
+          <a:p>
+            <a:pPr marL="457200" lvl="1" indent="0">
+              <a:buNone/>
+            </a:pPr>
+            <a:r>
+              <a:rPr lang="en-US" altLang="zh-TW" dirty="0" err="1" smtClean="0">
+                <a:solidFill>
+                  <a:srgbClr val="FF0000"/>
+                </a:solidFill>
+              </a:rPr>
+              <a:t>person</a:t>
+            </a:r>
+            <a:r>
+              <a:rPr lang="en-US" altLang="zh-TW" dirty="0" err="1" smtClean="0">
+                <a:solidFill>
+                  <a:srgbClr val="FF0000"/>
+                </a:solidFill>
+              </a:rPr>
+              <a:t>.firstName</a:t>
+            </a:r>
+            <a:r>
+              <a:rPr lang="en-US" altLang="zh-TW" dirty="0" smtClean="0"/>
+              <a:t> </a:t>
+            </a:r>
+            <a:r>
+              <a:rPr lang="en-US" altLang="zh-TW" dirty="0" smtClean="0"/>
+              <a:t>="Black" ;</a:t>
+            </a:r>
+          </a:p>
+          <a:p>
+            <a:pPr>
+              <a:buFont typeface="Wingdings" pitchFamily="2" charset="2"/>
+              <a:buChar char="Ø"/>
+            </a:pPr>
+            <a:r>
+              <a:rPr lang="en-US" altLang="zh-TW" dirty="0" smtClean="0"/>
+              <a:t>[]</a:t>
+            </a:r>
+            <a:r>
+              <a:rPr lang="zh-TW" altLang="en-US" dirty="0" smtClean="0"/>
+              <a:t> </a:t>
+            </a:r>
+            <a:r>
+              <a:rPr lang="en-US" altLang="zh-TW" dirty="0" smtClean="0"/>
+              <a:t>:</a:t>
+            </a:r>
+            <a:r>
+              <a:rPr lang="zh-TW" altLang="en-US" dirty="0" smtClean="0"/>
+              <a:t> 陣列方式存取，例如</a:t>
+            </a:r>
+            <a:r>
+              <a:rPr lang="en-US" altLang="zh-TW" dirty="0" smtClean="0"/>
+              <a:t>:</a:t>
+            </a:r>
+            <a:endParaRPr lang="en-US" altLang="zh-TW" dirty="0" smtClean="0"/>
+          </a:p>
+          <a:p>
+            <a:pPr marL="457200" lvl="1" indent="0">
+              <a:buNone/>
+            </a:pPr>
+            <a:r>
+              <a:rPr lang="en-US" altLang="zh-TW" dirty="0" err="1">
+                <a:solidFill>
+                  <a:srgbClr val="7030A0"/>
+                </a:solidFill>
+              </a:rPr>
+              <a:t>var</a:t>
+            </a:r>
+            <a:r>
+              <a:rPr lang="en-US" altLang="zh-TW" dirty="0">
+                <a:solidFill>
+                  <a:srgbClr val="7030A0"/>
+                </a:solidFill>
+              </a:rPr>
+              <a:t> </a:t>
+            </a:r>
+            <a:r>
+              <a:rPr lang="en-US" altLang="zh-TW" dirty="0" smtClean="0">
+                <a:solidFill>
+                  <a:srgbClr val="7030A0"/>
+                </a:solidFill>
+              </a:rPr>
+              <a:t>people= </a:t>
+            </a:r>
+            <a:r>
+              <a:rPr lang="en-US" altLang="zh-TW" dirty="0" smtClean="0">
+                <a:solidFill>
+                  <a:srgbClr val="FF0000"/>
+                </a:solidFill>
+              </a:rPr>
+              <a:t>[</a:t>
+            </a:r>
+            <a:r>
+              <a:rPr lang="en-US" altLang="zh-TW" dirty="0" smtClean="0">
+                <a:solidFill>
+                  <a:srgbClr val="7030A0"/>
+                </a:solidFill>
+              </a:rPr>
+              <a:t>{</a:t>
+            </a:r>
+            <a:r>
+              <a:rPr lang="en-US" altLang="zh-TW" dirty="0" err="1" smtClean="0">
+                <a:solidFill>
+                  <a:srgbClr val="7030A0"/>
+                </a:solidFill>
+              </a:rPr>
+              <a:t>firstName</a:t>
+            </a:r>
+            <a:r>
+              <a:rPr lang="en-US" altLang="zh-TW" dirty="0">
+                <a:solidFill>
+                  <a:srgbClr val="7030A0"/>
+                </a:solidFill>
+              </a:rPr>
+              <a:t>:"John", </a:t>
+            </a:r>
+            <a:r>
+              <a:rPr lang="en-US" altLang="zh-TW" dirty="0" err="1">
+                <a:solidFill>
+                  <a:srgbClr val="7030A0"/>
+                </a:solidFill>
+              </a:rPr>
+              <a:t>lastName</a:t>
+            </a:r>
+            <a:r>
+              <a:rPr lang="en-US" altLang="zh-TW" dirty="0">
+                <a:solidFill>
+                  <a:srgbClr val="7030A0"/>
+                </a:solidFill>
+              </a:rPr>
+              <a:t>:"Doe</a:t>
+            </a:r>
+            <a:r>
+              <a:rPr lang="en-US" altLang="zh-TW" dirty="0" smtClean="0">
+                <a:solidFill>
+                  <a:srgbClr val="7030A0"/>
+                </a:solidFill>
+              </a:rPr>
+              <a:t>"},</a:t>
+            </a:r>
+            <a:endParaRPr lang="en-US" altLang="zh-TW" dirty="0">
+              <a:solidFill>
+                <a:srgbClr val="7030A0"/>
+              </a:solidFill>
+            </a:endParaRPr>
+          </a:p>
+          <a:p>
+            <a:pPr marL="457200" lvl="1" indent="0">
+              <a:buNone/>
+            </a:pPr>
+            <a:r>
+              <a:rPr lang="en-US" altLang="zh-TW" dirty="0" smtClean="0">
+                <a:solidFill>
+                  <a:srgbClr val="7030A0"/>
+                </a:solidFill>
+              </a:rPr>
+              <a:t>{</a:t>
+            </a:r>
+            <a:r>
+              <a:rPr lang="en-US" altLang="zh-TW" dirty="0" err="1">
+                <a:solidFill>
+                  <a:srgbClr val="7030A0"/>
+                </a:solidFill>
+              </a:rPr>
+              <a:t>firstName</a:t>
+            </a:r>
+            <a:r>
+              <a:rPr lang="en-US" altLang="zh-TW" dirty="0" smtClean="0">
+                <a:solidFill>
+                  <a:srgbClr val="7030A0"/>
+                </a:solidFill>
+              </a:rPr>
+              <a:t>:"Merry", </a:t>
+            </a:r>
+            <a:r>
+              <a:rPr lang="en-US" altLang="zh-TW" dirty="0" err="1">
+                <a:solidFill>
+                  <a:srgbClr val="7030A0"/>
+                </a:solidFill>
+              </a:rPr>
+              <a:t>lastName</a:t>
+            </a:r>
+            <a:r>
+              <a:rPr lang="en-US" altLang="zh-TW" dirty="0" smtClean="0">
+                <a:solidFill>
+                  <a:srgbClr val="7030A0"/>
+                </a:solidFill>
+              </a:rPr>
+              <a:t>:"</a:t>
+            </a:r>
+            <a:r>
+              <a:rPr lang="en-US" altLang="zh-TW" dirty="0" err="1" smtClean="0">
+                <a:solidFill>
+                  <a:srgbClr val="7030A0"/>
+                </a:solidFill>
+              </a:rPr>
+              <a:t>Trup</a:t>
+            </a:r>
+            <a:r>
+              <a:rPr lang="en-US" altLang="zh-TW" dirty="0" smtClean="0">
+                <a:solidFill>
+                  <a:srgbClr val="7030A0"/>
+                </a:solidFill>
+              </a:rPr>
+              <a:t>"}</a:t>
+            </a:r>
+            <a:r>
+              <a:rPr lang="en-US" altLang="zh-TW" dirty="0" smtClean="0">
+                <a:solidFill>
+                  <a:srgbClr val="FF0000"/>
+                </a:solidFill>
+              </a:rPr>
+              <a:t>]</a:t>
+            </a:r>
+            <a:r>
+              <a:rPr lang="en-US" altLang="zh-TW" dirty="0" smtClean="0">
+                <a:solidFill>
+                  <a:srgbClr val="7030A0"/>
+                </a:solidFill>
+              </a:rPr>
+              <a:t>;</a:t>
+            </a:r>
+          </a:p>
+          <a:p>
+            <a:pPr marL="457200" lvl="1" indent="0">
+              <a:buNone/>
+            </a:pPr>
+            <a:r>
+              <a:rPr lang="en-US" altLang="zh-TW" dirty="0" smtClean="0"/>
+              <a:t>alert(people</a:t>
+            </a:r>
+            <a:r>
+              <a:rPr lang="en-US" altLang="zh-TW" dirty="0" smtClean="0">
+                <a:solidFill>
+                  <a:srgbClr val="FF0000"/>
+                </a:solidFill>
+              </a:rPr>
+              <a:t>[0]</a:t>
+            </a:r>
+            <a:r>
+              <a:rPr lang="en-US" altLang="zh-TW" dirty="0" smtClean="0"/>
+              <a:t>.</a:t>
+            </a:r>
+            <a:r>
+              <a:rPr lang="en-US" altLang="zh-TW" dirty="0" err="1" smtClean="0"/>
+              <a:t>firstName</a:t>
+            </a:r>
+            <a:r>
+              <a:rPr lang="en-US" altLang="zh-TW" dirty="0" smtClean="0"/>
+              <a:t>);</a:t>
+            </a:r>
+          </a:p>
+        </p:txBody>
+      </p:sp>
     </p:spTree>
     <p:extLst>
       <p:ext uri="{BB962C8B-B14F-4D97-AF65-F5344CB8AC3E}">
-        <p14:creationId xmlns:p14="http://schemas.microsoft.com/office/powerpoint/2010/main" val="146265517"/>
+        <p14:creationId xmlns:p14="http://schemas.microsoft.com/office/powerpoint/2010/main" val="1811754449"/>
       </p:ext>
     </p:extLst>
   </p:cSld>
@@ -10731,6 +11578,13 @@
     <a:masterClrMapping/>
   </p:clrMapOvr>
   <p:transition/>
+  <p:timing>
+    <p:tnLst>
+      <p:par>
+        <p:cTn id="1" dur="indefinite" restart="never" nodeType="tmRoot"/>
+      </p:par>
+    </p:tnLst>
+  </p:timing>
 </p:sld>
 </file>
 
@@ -10753,32 +11607,360 @@
       </p:grpSpPr>
       <p:sp>
         <p:nvSpPr>
-          <p:cNvPr id="4" name="標題 3"/>
+          <p:cNvPr id="3" name="內容版面配置區 2"/>
           <p:cNvSpPr>
             <a:spLocks noGrp="1"/>
           </p:cNvSpPr>
           <p:nvPr>
-            <p:ph type="title"/>
+            <p:ph idx="1"/>
           </p:nvPr>
         </p:nvSpPr>
         <p:spPr>
           <a:xfrm>
+            <a:off x="500522" y="1556792"/>
+            <a:ext cx="8229600" cy="4525963"/>
+          </a:xfrm>
+        </p:spPr>
+        <p:txBody>
+          <a:bodyPr/>
+          <a:lstStyle/>
+          <a:p>
+            <a:r>
+              <a:rPr lang="zh-TW" altLang="en-US" dirty="0" smtClean="0"/>
+              <a:t>許多網站可使用 </a:t>
+            </a:r>
+            <a:r>
+              <a:rPr lang="en-US" altLang="zh-TW" dirty="0" smtClean="0"/>
+              <a:t>HTTP</a:t>
+            </a:r>
+            <a:r>
+              <a:rPr lang="zh-TW" altLang="en-US" dirty="0" smtClean="0"/>
+              <a:t> 存取格式化資料</a:t>
+            </a:r>
+            <a:endParaRPr lang="en-US" altLang="zh-TW" dirty="0" smtClean="0"/>
+          </a:p>
+          <a:p>
+            <a:r>
+              <a:rPr lang="en-US" altLang="zh-TW" dirty="0" err="1" smtClean="0"/>
+              <a:t>JSON</a:t>
+            </a:r>
+            <a:r>
+              <a:rPr lang="zh-TW" altLang="en-US" dirty="0" smtClean="0"/>
+              <a:t> </a:t>
+            </a:r>
+            <a:r>
+              <a:rPr lang="en-US" altLang="zh-TW" dirty="0" smtClean="0"/>
+              <a:t>or XML </a:t>
+            </a:r>
+            <a:r>
+              <a:rPr lang="zh-TW" altLang="en-US" dirty="0" smtClean="0"/>
+              <a:t>格式，範例</a:t>
+            </a:r>
+            <a:r>
+              <a:rPr lang="en-US" altLang="zh-TW" dirty="0" smtClean="0"/>
+              <a:t>:</a:t>
+            </a:r>
+          </a:p>
+          <a:p>
+            <a:pPr lvl="1"/>
+            <a:r>
+              <a:rPr lang="en-US" altLang="zh-TW" dirty="0" err="1" smtClean="0"/>
+              <a:t>W3CSchool</a:t>
+            </a:r>
+            <a:endParaRPr lang="en-US" altLang="zh-TW" dirty="0" smtClean="0"/>
+          </a:p>
+          <a:p>
+            <a:pPr lvl="2"/>
+            <a:r>
+              <a:rPr lang="en-US" altLang="zh-TW" dirty="0"/>
+              <a:t>https://</a:t>
+            </a:r>
+            <a:r>
+              <a:rPr lang="en-US" altLang="zh-TW" dirty="0" err="1" smtClean="0"/>
+              <a:t>www.w3schools.com</a:t>
+            </a:r>
+            <a:r>
+              <a:rPr lang="en-US" altLang="zh-TW" dirty="0" smtClean="0"/>
+              <a:t>/</a:t>
+            </a:r>
+            <a:r>
+              <a:rPr lang="en-US" altLang="zh-TW" dirty="0" err="1" smtClean="0"/>
+              <a:t>js</a:t>
+            </a:r>
+            <a:r>
+              <a:rPr lang="en-US" altLang="zh-TW" dirty="0" smtClean="0"/>
+              <a:t>/</a:t>
+            </a:r>
+            <a:r>
+              <a:rPr lang="en-US" altLang="zh-TW" dirty="0" err="1" smtClean="0"/>
+              <a:t>myTutorials.txt</a:t>
+            </a:r>
+            <a:endParaRPr lang="en-US" altLang="zh-TW" dirty="0"/>
+          </a:p>
+          <a:p>
+            <a:pPr lvl="2"/>
+            <a:r>
+              <a:rPr lang="en-US" altLang="zh-TW" dirty="0"/>
+              <a:t>https://</a:t>
+            </a:r>
+            <a:r>
+              <a:rPr lang="en-US" altLang="zh-TW" dirty="0" err="1" smtClean="0"/>
+              <a:t>www.w3schools.com</a:t>
+            </a:r>
+            <a:r>
+              <a:rPr lang="en-US" altLang="zh-TW" dirty="0" smtClean="0"/>
+              <a:t>/</a:t>
+            </a:r>
+            <a:r>
+              <a:rPr lang="en-US" altLang="zh-TW" dirty="0" err="1" smtClean="0"/>
+              <a:t>js</a:t>
+            </a:r>
+            <a:r>
+              <a:rPr lang="en-US" altLang="zh-TW" dirty="0" smtClean="0"/>
+              <a:t>/</a:t>
+            </a:r>
+            <a:r>
+              <a:rPr lang="en-US" altLang="zh-TW" dirty="0" err="1" smtClean="0"/>
+              <a:t>tryit.asp?filename</a:t>
+            </a:r>
+            <a:r>
+              <a:rPr lang="en-US" altLang="zh-TW" dirty="0" smtClean="0"/>
+              <a:t>=</a:t>
+            </a:r>
+            <a:r>
+              <a:rPr lang="en-US" altLang="zh-TW" dirty="0" err="1" smtClean="0"/>
+              <a:t>tryjson_http</a:t>
+            </a:r>
+            <a:endParaRPr lang="en-US" altLang="zh-TW" dirty="0" smtClean="0"/>
+          </a:p>
+          <a:p>
+            <a:pPr lvl="1"/>
+            <a:r>
+              <a:rPr lang="en-US" altLang="zh-TW" dirty="0" err="1" smtClean="0"/>
+              <a:t>hapi</a:t>
+            </a:r>
+            <a:r>
+              <a:rPr lang="en-US" altLang="zh-TW" dirty="0" smtClean="0"/>
+              <a:t> </a:t>
+            </a:r>
+            <a:r>
+              <a:rPr lang="en-US" altLang="zh-TW" dirty="0" err="1" smtClean="0"/>
+              <a:t>FHIR</a:t>
+            </a:r>
+            <a:r>
+              <a:rPr lang="en-US" altLang="zh-TW" dirty="0" smtClean="0"/>
+              <a:t> server</a:t>
+            </a:r>
+          </a:p>
+          <a:p>
+            <a:pPr lvl="2"/>
+            <a:r>
+              <a:rPr lang="en-US" altLang="zh-TW" dirty="0"/>
+              <a:t>https://</a:t>
+            </a:r>
+            <a:r>
+              <a:rPr lang="en-US" altLang="zh-TW" dirty="0" err="1"/>
+              <a:t>fhirtest.uhn.ca</a:t>
+            </a:r>
+            <a:r>
+              <a:rPr lang="en-US" altLang="zh-TW" dirty="0"/>
+              <a:t>/</a:t>
+            </a:r>
+            <a:endParaRPr lang="zh-TW" altLang="en-US" dirty="0"/>
+          </a:p>
+        </p:txBody>
+      </p:sp>
+      <p:sp>
+        <p:nvSpPr>
+          <p:cNvPr id="4" name="標題 3"/>
+          <p:cNvSpPr txBox="1">
+            <a:spLocks/>
+          </p:cNvSpPr>
+          <p:nvPr/>
+        </p:nvSpPr>
+        <p:spPr bwMode="auto">
+          <a:xfrm>
             <a:off x="467544" y="116632"/>
             <a:ext cx="8229600" cy="1143000"/>
           </a:xfrm>
-          <a:extLst/>
+          <a:prstGeom prst="rect">
+            <a:avLst/>
+          </a:prstGeom>
+          <a:noFill/>
+          <a:ln>
+            <a:noFill/>
+          </a:ln>
+          <a:extLst>
+            <a:ext uri="{909E8E84-426E-40DD-AFC4-6F175D3DCCD1}">
+              <a14:hiddenFill xmlns:a14="http://schemas.microsoft.com/office/drawing/2010/main">
+                <a:solidFill>
+                  <a:srgbClr val="FFFFFF"/>
+                </a:solidFill>
+              </a14:hiddenFill>
+            </a:ext>
+            <a:ext uri="{91240B29-F687-4F45-9708-019B960494DF}">
+              <a14:hiddenLine xmlns:a14="http://schemas.microsoft.com/office/drawing/2010/main" w="9525">
+                <a:solidFill>
+                  <a:srgbClr val="000000"/>
+                </a:solidFill>
+                <a:miter lim="800000"/>
+                <a:headEnd/>
+                <a:tailEnd/>
+              </a14:hiddenLine>
+            </a:ext>
+          </a:extLst>
         </p:spPr>
         <p:txBody>
-          <a:bodyPr>
+          <a:bodyPr vert="horz" wrap="square" lIns="91440" tIns="45720" rIns="91440" bIns="45720" numCol="1" anchor="ctr" anchorCtr="0" compatLnSpc="1">
+            <a:prstTxWarp prst="textNoShape">
+              <a:avLst/>
+            </a:prstTxWarp>
             <a:normAutofit/>
           </a:bodyPr>
-          <a:lstStyle/>
+          <a:lstStyle>
+            <a:lvl1pPr algn="ctr" rtl="0" eaLnBrk="0" fontAlgn="base" hangingPunct="0">
+              <a:spcBef>
+                <a:spcPct val="0"/>
+              </a:spcBef>
+              <a:spcAft>
+                <a:spcPct val="0"/>
+              </a:spcAft>
+              <a:defRPr sz="4400" kern="1200">
+                <a:solidFill>
+                  <a:schemeClr val="tx1"/>
+                </a:solidFill>
+                <a:latin typeface="+mj-lt"/>
+                <a:ea typeface="+mj-ea"/>
+                <a:cs typeface="+mj-cs"/>
+              </a:defRPr>
+            </a:lvl1pPr>
+            <a:lvl2pPr algn="ctr" rtl="0" eaLnBrk="0" fontAlgn="base" hangingPunct="0">
+              <a:spcBef>
+                <a:spcPct val="0"/>
+              </a:spcBef>
+              <a:spcAft>
+                <a:spcPct val="0"/>
+              </a:spcAft>
+              <a:defRPr sz="4400">
+                <a:solidFill>
+                  <a:schemeClr val="tx1"/>
+                </a:solidFill>
+                <a:latin typeface="Calibri" pitchFamily="34" charset="0"/>
+                <a:ea typeface="新細明體" charset="-120"/>
+              </a:defRPr>
+            </a:lvl2pPr>
+            <a:lvl3pPr algn="ctr" rtl="0" eaLnBrk="0" fontAlgn="base" hangingPunct="0">
+              <a:spcBef>
+                <a:spcPct val="0"/>
+              </a:spcBef>
+              <a:spcAft>
+                <a:spcPct val="0"/>
+              </a:spcAft>
+              <a:defRPr sz="4400">
+                <a:solidFill>
+                  <a:schemeClr val="tx1"/>
+                </a:solidFill>
+                <a:latin typeface="Calibri" pitchFamily="34" charset="0"/>
+                <a:ea typeface="新細明體" charset="-120"/>
+              </a:defRPr>
+            </a:lvl3pPr>
+            <a:lvl4pPr algn="ctr" rtl="0" eaLnBrk="0" fontAlgn="base" hangingPunct="0">
+              <a:spcBef>
+                <a:spcPct val="0"/>
+              </a:spcBef>
+              <a:spcAft>
+                <a:spcPct val="0"/>
+              </a:spcAft>
+              <a:defRPr sz="4400">
+                <a:solidFill>
+                  <a:schemeClr val="tx1"/>
+                </a:solidFill>
+                <a:latin typeface="Calibri" pitchFamily="34" charset="0"/>
+                <a:ea typeface="新細明體" charset="-120"/>
+              </a:defRPr>
+            </a:lvl4pPr>
+            <a:lvl5pPr algn="ctr" rtl="0" eaLnBrk="0" fontAlgn="base" hangingPunct="0">
+              <a:spcBef>
+                <a:spcPct val="0"/>
+              </a:spcBef>
+              <a:spcAft>
+                <a:spcPct val="0"/>
+              </a:spcAft>
+              <a:defRPr sz="4400">
+                <a:solidFill>
+                  <a:schemeClr val="tx1"/>
+                </a:solidFill>
+                <a:latin typeface="Calibri" pitchFamily="34" charset="0"/>
+                <a:ea typeface="新細明體" charset="-120"/>
+              </a:defRPr>
+            </a:lvl5pPr>
+            <a:lvl6pPr marL="457200" algn="ctr" rtl="0" fontAlgn="base">
+              <a:spcBef>
+                <a:spcPct val="0"/>
+              </a:spcBef>
+              <a:spcAft>
+                <a:spcPct val="0"/>
+              </a:spcAft>
+              <a:defRPr sz="4400">
+                <a:solidFill>
+                  <a:schemeClr val="tx1"/>
+                </a:solidFill>
+                <a:latin typeface="Calibri" pitchFamily="34" charset="0"/>
+                <a:ea typeface="新細明體" charset="-120"/>
+              </a:defRPr>
+            </a:lvl6pPr>
+            <a:lvl7pPr marL="914400" algn="ctr" rtl="0" fontAlgn="base">
+              <a:spcBef>
+                <a:spcPct val="0"/>
+              </a:spcBef>
+              <a:spcAft>
+                <a:spcPct val="0"/>
+              </a:spcAft>
+              <a:defRPr sz="4400">
+                <a:solidFill>
+                  <a:schemeClr val="tx1"/>
+                </a:solidFill>
+                <a:latin typeface="Calibri" pitchFamily="34" charset="0"/>
+                <a:ea typeface="新細明體" charset="-120"/>
+              </a:defRPr>
+            </a:lvl7pPr>
+            <a:lvl8pPr marL="1371600" algn="ctr" rtl="0" fontAlgn="base">
+              <a:spcBef>
+                <a:spcPct val="0"/>
+              </a:spcBef>
+              <a:spcAft>
+                <a:spcPct val="0"/>
+              </a:spcAft>
+              <a:defRPr sz="4400">
+                <a:solidFill>
+                  <a:schemeClr val="tx1"/>
+                </a:solidFill>
+                <a:latin typeface="Calibri" pitchFamily="34" charset="0"/>
+                <a:ea typeface="新細明體" charset="-120"/>
+              </a:defRPr>
+            </a:lvl8pPr>
+            <a:lvl9pPr marL="1828800" algn="ctr" rtl="0" fontAlgn="base">
+              <a:spcBef>
+                <a:spcPct val="0"/>
+              </a:spcBef>
+              <a:spcAft>
+                <a:spcPct val="0"/>
+              </a:spcAft>
+              <a:defRPr sz="4400">
+                <a:solidFill>
+                  <a:schemeClr val="tx1"/>
+                </a:solidFill>
+                <a:latin typeface="Calibri" pitchFamily="34" charset="0"/>
+                <a:ea typeface="新細明體" charset="-120"/>
+              </a:defRPr>
+            </a:lvl9pPr>
+          </a:lstStyle>
           <a:p>
             <a:pPr>
               <a:defRPr/>
             </a:pPr>
             <a:r>
-              <a:rPr lang="zh-TW" altLang="en-US" b="1" cap="all" dirty="0" smtClean="0">
+              <a:rPr kumimoji="0" lang="en-US" altLang="zh-TW" b="1" cap="all" dirty="0" smtClean="0">
                 <a:ln w="9000" cmpd="sng">
                   <a:solidFill>
                     <a:schemeClr val="accent4">
@@ -10820,10 +12002,10 @@
                   <a:reflection blurRad="12700" stA="28000" endPos="45000" dist="1000" dir="5400000" sy="-100000" algn="bl" rotWithShape="0"/>
                 </a:effectLst>
               </a:rPr>
-              <a:t>結構化文件與 </a:t>
-            </a:r>
-            <a:r>
-              <a:rPr lang="en-US" altLang="zh-TW" b="1" cap="all" dirty="0" err="1" smtClean="0">
+              <a:t>HTTP </a:t>
+            </a:r>
+            <a:r>
+              <a:rPr kumimoji="0" lang="en-US" altLang="zh-TW" b="1" cap="all" dirty="0">
                 <a:ln w="9000" cmpd="sng">
                   <a:solidFill>
                     <a:schemeClr val="accent4">
@@ -10865,10 +12047,10 @@
                   <a:reflection blurRad="12700" stA="28000" endPos="45000" dist="1000" dir="5400000" sy="-100000" algn="bl" rotWithShape="0"/>
                 </a:effectLst>
               </a:rPr>
-              <a:t>JSON</a:t>
-            </a:r>
-            <a:r>
-              <a:rPr lang="zh-TW" altLang="en-US" b="1" cap="all" dirty="0" smtClean="0">
+              <a:t>get </a:t>
+            </a:r>
+            <a:r>
+              <a:rPr kumimoji="0" lang="en-US" altLang="zh-TW" b="1" cap="all" dirty="0" err="1">
                 <a:ln w="9000" cmpd="sng">
                   <a:solidFill>
                     <a:schemeClr val="accent4">
@@ -10910,9 +12092,54 @@
                   <a:reflection blurRad="12700" stA="28000" endPos="45000" dist="1000" dir="5400000" sy="-100000" algn="bl" rotWithShape="0"/>
                 </a:effectLst>
               </a:rPr>
-              <a:t> 物件轉換</a:t>
-            </a:r>
-            <a:endParaRPr lang="zh-TW" altLang="en-US" b="1" cap="all" dirty="0">
+              <a:t>JSON</a:t>
+            </a:r>
+            <a:r>
+              <a:rPr kumimoji="0" lang="en-US" altLang="zh-TW" b="1" cap="all" dirty="0">
+                <a:ln w="9000" cmpd="sng">
+                  <a:solidFill>
+                    <a:schemeClr val="accent4">
+                      <a:shade val="50000"/>
+                      <a:satMod val="120000"/>
+                    </a:schemeClr>
+                  </a:solidFill>
+                  <a:prstDash val="solid"/>
+                </a:ln>
+                <a:gradFill>
+                  <a:gsLst>
+                    <a:gs pos="0">
+                      <a:schemeClr val="accent4">
+                        <a:shade val="20000"/>
+                        <a:satMod val="245000"/>
+                      </a:schemeClr>
+                    </a:gs>
+                    <a:gs pos="43000">
+                      <a:schemeClr val="accent4">
+                        <a:satMod val="255000"/>
+                      </a:schemeClr>
+                    </a:gs>
+                    <a:gs pos="48000">
+                      <a:schemeClr val="accent4">
+                        <a:shade val="85000"/>
+                        <a:satMod val="255000"/>
+                      </a:schemeClr>
+                    </a:gs>
+                    <a:gs pos="100000">
+                      <a:schemeClr val="accent4">
+                        <a:shade val="20000"/>
+                        <a:satMod val="245000"/>
+                      </a:schemeClr>
+                    </a:gs>
+                  </a:gsLst>
+                  <a:lin ang="5400000"/>
+                </a:gradFill>
+                <a:effectLst>
+                  <a:reflection blurRad="12700" stA="28000" endPos="45000" dist="1000" dir="5400000" sy="-100000" algn="bl" rotWithShape="0"/>
+                </a:effectLst>
+              </a:rPr>
+              <a:t> data</a:t>
+            </a:r>
+            <a:endParaRPr kumimoji="0" lang="zh-TW" altLang="en-US" b="1" cap="all" dirty="0">
               <a:ln w="9000" cmpd="sng">
                 <a:solidFill>
                   <a:schemeClr val="accent4">
@@ -10957,205 +12184,10 @@
           </a:p>
         </p:txBody>
       </p:sp>
-      <p:sp>
-        <p:nvSpPr>
-          <p:cNvPr id="11267" name="內容版面配置區 4"/>
-          <p:cNvSpPr>
-            <a:spLocks noGrp="1"/>
-          </p:cNvSpPr>
-          <p:nvPr>
-            <p:ph idx="1"/>
-          </p:nvPr>
-        </p:nvSpPr>
-        <p:spPr>
-          <a:xfrm>
-            <a:off x="539552" y="1268760"/>
-            <a:ext cx="8229600" cy="4751387"/>
-          </a:xfrm>
-        </p:spPr>
-        <p:txBody>
-          <a:bodyPr/>
-          <a:lstStyle/>
-          <a:p>
-            <a:pPr>
-              <a:buFont typeface="Wingdings" pitchFamily="2" charset="2"/>
-              <a:buChar char="Ø"/>
-            </a:pPr>
-            <a:r>
-              <a:rPr lang="zh-TW" altLang="en-US" dirty="0" smtClean="0"/>
-              <a:t>結構化文件</a:t>
-            </a:r>
-            <a:r>
-              <a:rPr lang="en-US" altLang="zh-TW" dirty="0" smtClean="0"/>
-              <a:t>(</a:t>
-            </a:r>
-            <a:r>
-              <a:rPr lang="zh-TW" altLang="en-US" dirty="0" smtClean="0"/>
-              <a:t> </a:t>
-            </a:r>
-            <a:r>
-              <a:rPr lang="en-US" altLang="zh-TW" dirty="0" err="1" smtClean="0"/>
-              <a:t>JSON</a:t>
-            </a:r>
-            <a:r>
-              <a:rPr lang="zh-TW" altLang="en-US" dirty="0" smtClean="0"/>
-              <a:t> </a:t>
-            </a:r>
-            <a:r>
-              <a:rPr lang="en-US" altLang="zh-TW" dirty="0" smtClean="0"/>
-              <a:t>or XML </a:t>
-            </a:r>
-            <a:r>
-              <a:rPr lang="zh-TW" altLang="en-US" dirty="0" smtClean="0"/>
-              <a:t>格式字串資料</a:t>
-            </a:r>
-            <a:r>
-              <a:rPr lang="en-US" altLang="zh-TW" dirty="0" smtClean="0"/>
-              <a:t>)</a:t>
-            </a:r>
-          </a:p>
-          <a:p>
-            <a:pPr>
-              <a:buFont typeface="Wingdings" pitchFamily="2" charset="2"/>
-              <a:buChar char="Ø"/>
-            </a:pPr>
-            <a:r>
-              <a:rPr lang="zh-TW" altLang="en-US" dirty="0" smtClean="0"/>
-              <a:t>電腦檔案或網路傳輸常見格式</a:t>
-            </a:r>
-            <a:endParaRPr lang="en-US" altLang="zh-TW" dirty="0" smtClean="0"/>
-          </a:p>
-          <a:p>
-            <a:pPr>
-              <a:buFont typeface="Wingdings" pitchFamily="2" charset="2"/>
-              <a:buChar char="Ø"/>
-            </a:pPr>
-            <a:r>
-              <a:rPr lang="zh-TW" altLang="en-US" dirty="0"/>
-              <a:t>可轉換</a:t>
-            </a:r>
-            <a:r>
-              <a:rPr lang="zh-TW" altLang="en-US" dirty="0" smtClean="0"/>
-              <a:t>成程式中的物件，如下</a:t>
-            </a:r>
-            <a:r>
-              <a:rPr lang="en-US" altLang="zh-TW" dirty="0" smtClean="0"/>
-              <a:t>:</a:t>
-            </a:r>
-          </a:p>
-          <a:p>
-            <a:pPr lvl="1">
-              <a:buFont typeface="Wingdings" pitchFamily="2" charset="2"/>
-              <a:buChar char="Ø"/>
-            </a:pPr>
-            <a:r>
-              <a:rPr lang="en-US" altLang="zh-TW" dirty="0" err="1"/>
-              <a:t>var</a:t>
-            </a:r>
-            <a:r>
-              <a:rPr lang="en-US" altLang="zh-TW" dirty="0"/>
-              <a:t> </a:t>
-            </a:r>
-            <a:r>
-              <a:rPr lang="en-US" altLang="zh-TW" dirty="0" err="1">
-                <a:solidFill>
-                  <a:srgbClr val="FF0000"/>
-                </a:solidFill>
-              </a:rPr>
-              <a:t>myObj</a:t>
-            </a:r>
-            <a:r>
-              <a:rPr lang="en-US" altLang="zh-TW" dirty="0">
-                <a:solidFill>
-                  <a:srgbClr val="FF0000"/>
-                </a:solidFill>
-              </a:rPr>
-              <a:t> = </a:t>
-            </a:r>
-            <a:r>
-              <a:rPr lang="en-US" altLang="zh-TW" dirty="0" err="1">
-                <a:solidFill>
-                  <a:srgbClr val="FF0000"/>
-                </a:solidFill>
-              </a:rPr>
-              <a:t>JSON.parse</a:t>
-            </a:r>
-            <a:r>
-              <a:rPr lang="en-US" altLang="zh-TW" dirty="0">
-                <a:solidFill>
-                  <a:srgbClr val="FF0000"/>
-                </a:solidFill>
-              </a:rPr>
-              <a:t>(</a:t>
-            </a:r>
-            <a:r>
-              <a:rPr lang="en-US" altLang="zh-TW" dirty="0" err="1">
-                <a:solidFill>
-                  <a:srgbClr val="FF0000"/>
-                </a:solidFill>
-              </a:rPr>
-              <a:t>myJSONstr</a:t>
-            </a:r>
-            <a:r>
-              <a:rPr lang="en-US" altLang="zh-TW" dirty="0">
-                <a:solidFill>
-                  <a:srgbClr val="FF0000"/>
-                </a:solidFill>
-              </a:rPr>
-              <a:t>);</a:t>
-            </a:r>
-          </a:p>
-          <a:p>
-            <a:pPr lvl="1">
-              <a:buFont typeface="Wingdings" pitchFamily="2" charset="2"/>
-              <a:buChar char="Ø"/>
-            </a:pPr>
-            <a:r>
-              <a:rPr lang="en-US" altLang="zh-TW" dirty="0"/>
-              <a:t>// </a:t>
-            </a:r>
-            <a:r>
-              <a:rPr lang="zh-TW" altLang="en-US" dirty="0"/>
-              <a:t>將</a:t>
-            </a:r>
-            <a:r>
-              <a:rPr lang="en-US" altLang="zh-TW" dirty="0" err="1"/>
-              <a:t>myJSONstr</a:t>
-            </a:r>
-            <a:r>
-              <a:rPr lang="en-US" altLang="zh-TW" dirty="0"/>
-              <a:t> </a:t>
-            </a:r>
-            <a:r>
-              <a:rPr lang="zh-TW" altLang="en-US" dirty="0"/>
-              <a:t>字串轉換成 </a:t>
-            </a:r>
-            <a:r>
-              <a:rPr lang="en-US" altLang="zh-TW" dirty="0" err="1"/>
-              <a:t>myObj</a:t>
-            </a:r>
-            <a:r>
-              <a:rPr lang="en-US" altLang="zh-TW" dirty="0"/>
-              <a:t> </a:t>
-            </a:r>
-            <a:r>
-              <a:rPr lang="zh-TW" altLang="en-US" dirty="0"/>
-              <a:t>物件</a:t>
-            </a:r>
-          </a:p>
-          <a:p>
-            <a:pPr>
-              <a:buFont typeface="Wingdings" pitchFamily="2" charset="2"/>
-              <a:buChar char="Ø"/>
-            </a:pPr>
-            <a:endParaRPr lang="en-US" altLang="zh-TW" dirty="0" smtClean="0"/>
-          </a:p>
-        </p:txBody>
-      </p:sp>
     </p:spTree>
     <p:extLst>
       <p:ext uri="{BB962C8B-B14F-4D97-AF65-F5344CB8AC3E}">
-        <p14:creationId xmlns:p14="http://schemas.microsoft.com/office/powerpoint/2010/main" val="1784304014"/>
+        <p14:creationId xmlns:p14="http://schemas.microsoft.com/office/powerpoint/2010/main" val="146265517"/>
       </p:ext>
     </p:extLst>
   </p:cSld>
@@ -11163,13 +12195,6 @@
     <a:masterClrMapping/>
   </p:clrMapOvr>
   <p:transition/>
-  <p:timing>
-    <p:tnLst>
-      <p:par>
-        <p:cTn id="1" dur="indefinite" restart="never" nodeType="tmRoot"/>
-      </p:par>
-    </p:tnLst>
-  </p:timing>
 </p:sld>
 </file>
 
@@ -11421,35 +12446,64 @@
               <a:buChar char="Ø"/>
             </a:pPr>
             <a:r>
+              <a:rPr lang="zh-TW" altLang="en-US" dirty="0" smtClean="0"/>
+              <a:t>結構化文件</a:t>
+            </a:r>
+            <a:r>
+              <a:rPr lang="en-US" altLang="zh-TW" dirty="0" smtClean="0"/>
+              <a:t>(</a:t>
+            </a:r>
+            <a:r>
+              <a:rPr lang="zh-TW" altLang="en-US" dirty="0" smtClean="0"/>
+              <a:t> </a:t>
+            </a:r>
+            <a:r>
+              <a:rPr lang="en-US" altLang="zh-TW" dirty="0" err="1" smtClean="0"/>
+              <a:t>JSON</a:t>
+            </a:r>
+            <a:r>
+              <a:rPr lang="zh-TW" altLang="en-US" dirty="0" smtClean="0"/>
+              <a:t> </a:t>
+            </a:r>
+            <a:r>
+              <a:rPr lang="en-US" altLang="zh-TW" dirty="0" smtClean="0"/>
+              <a:t>or XML </a:t>
+            </a:r>
+            <a:r>
+              <a:rPr lang="zh-TW" altLang="en-US" dirty="0" smtClean="0"/>
+              <a:t>格式字串資料</a:t>
+            </a:r>
+            <a:r>
+              <a:rPr lang="en-US" altLang="zh-TW" dirty="0" smtClean="0"/>
+              <a:t>)</a:t>
+            </a:r>
+          </a:p>
+          <a:p>
+            <a:pPr>
+              <a:buFont typeface="Wingdings" pitchFamily="2" charset="2"/>
+              <a:buChar char="Ø"/>
+            </a:pPr>
+            <a:r>
+              <a:rPr lang="zh-TW" altLang="en-US" dirty="0" smtClean="0"/>
+              <a:t>電腦檔案或網路傳輸常見格式</a:t>
+            </a:r>
+            <a:endParaRPr lang="en-US" altLang="zh-TW" dirty="0" smtClean="0"/>
+          </a:p>
+          <a:p>
+            <a:pPr>
+              <a:buFont typeface="Wingdings" pitchFamily="2" charset="2"/>
+              <a:buChar char="Ø"/>
+            </a:pPr>
+            <a:r>
               <a:rPr lang="zh-TW" altLang="en-US" dirty="0"/>
-              <a:t>可將程式中的物件轉換成結構化文件</a:t>
-            </a:r>
-            <a:r>
-              <a:rPr lang="en-US" altLang="zh-TW" dirty="0"/>
-              <a:t>( </a:t>
-            </a:r>
-            <a:r>
-              <a:rPr lang="en-US" altLang="zh-TW" dirty="0" err="1"/>
-              <a:t>JSON</a:t>
-            </a:r>
-            <a:r>
-              <a:rPr lang="en-US" altLang="zh-TW" dirty="0"/>
-              <a:t> </a:t>
-            </a:r>
-            <a:r>
-              <a:rPr lang="zh-TW" altLang="en-US" dirty="0"/>
-              <a:t>字串資料</a:t>
-            </a:r>
-            <a:r>
-              <a:rPr lang="en-US" altLang="zh-TW" dirty="0"/>
-              <a:t>)</a:t>
-            </a:r>
-            <a:r>
-              <a:rPr lang="zh-TW" altLang="en-US" dirty="0"/>
-              <a:t>，如下</a:t>
-            </a:r>
-            <a:r>
-              <a:rPr lang="en-US" altLang="zh-TW" dirty="0"/>
+              <a:t>可轉換</a:t>
+            </a:r>
+            <a:r>
+              <a:rPr lang="zh-TW" altLang="en-US" dirty="0" smtClean="0"/>
+              <a:t>成程式中的物件，如下</a:t>
+            </a:r>
+            <a:r>
+              <a:rPr lang="en-US" altLang="zh-TW" dirty="0" smtClean="0"/>
               <a:t>:</a:t>
             </a:r>
           </a:p>
@@ -11459,23 +12513,47 @@
               <a:buChar char="Ø"/>
             </a:pPr>
             <a:r>
-              <a:rPr lang="en-US" altLang="zh-TW" dirty="0" err="1" smtClean="0">
+              <a:rPr lang="en-US" altLang="zh-TW" dirty="0" err="1"/>
+              <a:t>var</a:t>
+            </a:r>
+            <a:r>
+              <a:rPr lang="en-US" altLang="zh-TW" dirty="0"/>
+              <a:t> </a:t>
+            </a:r>
+            <a:r>
+              <a:rPr lang="en-US" altLang="zh-TW" dirty="0" err="1">
                 <a:solidFill>
                   <a:srgbClr val="FF0000"/>
                 </a:solidFill>
               </a:rPr>
-              <a:t>var</a:t>
-            </a:r>
-            <a:r>
-              <a:rPr lang="en-US" altLang="zh-TW" dirty="0" smtClean="0">
+              <a:t>myObj</a:t>
+            </a:r>
+            <a:r>
+              <a:rPr lang="en-US" altLang="zh-TW" dirty="0">
                 <a:solidFill>
                   <a:srgbClr val="FF0000"/>
                 </a:solidFill>
               </a:rPr>
-              <a:t> </a:t>
-            </a:r>
-            <a:r>
-              <a:rPr lang="en-US" altLang="zh-TW" dirty="0" err="1" smtClean="0">
+              <a:t> = </a:t>
+            </a:r>
+            <a:r>
+              <a:rPr lang="en-US" altLang="zh-TW" dirty="0" err="1">
+                <a:solidFill>
+                  <a:srgbClr val="FF0000"/>
+                </a:solidFill>
+              </a:rPr>
+              <a:t>JSON.parse</a:t>
+            </a:r>
+            <a:r>
+              <a:rPr lang="en-US" altLang="zh-TW" dirty="0">
+                <a:solidFill>
+                  <a:srgbClr val="FF0000"/>
+                </a:solidFill>
+              </a:rPr>
+              <a:t>(</a:t>
+            </a:r>
+            <a:r>
+              <a:rPr lang="en-US" altLang="zh-TW" dirty="0" err="1">
                 <a:solidFill>
                   <a:srgbClr val="FF0000"/>
                 </a:solidFill>
@@ -11483,39 +12561,7 @@
               <a:t>myJSONstr</a:t>
             </a:r>
             <a:r>
-              <a:rPr lang="en-US" altLang="zh-TW" dirty="0" smtClean="0">
-                <a:solidFill>
-                  <a:srgbClr val="FF0000"/>
-                </a:solidFill>
-              </a:rPr>
-              <a:t> = </a:t>
-            </a:r>
-            <a:r>
-              <a:rPr lang="en-US" altLang="zh-TW" dirty="0" err="1">
-                <a:solidFill>
-                  <a:srgbClr val="FF0000"/>
-                </a:solidFill>
-              </a:rPr>
-              <a:t>JSON.stringify</a:t>
-            </a:r>
-            <a:r>
               <a:rPr lang="en-US" altLang="zh-TW" dirty="0">
-                <a:solidFill>
-                  <a:srgbClr val="FF0000"/>
-                </a:solidFill>
-              </a:rPr>
-              <a:t>(</a:t>
-            </a:r>
-            <a:r>
-              <a:rPr lang="en-US" altLang="zh-TW" dirty="0" err="1">
-                <a:solidFill>
-                  <a:srgbClr val="FF0000"/>
-                </a:solidFill>
-              </a:rPr>
-              <a:t>myObj</a:t>
-            </a:r>
-            <a:r>
-              <a:rPr lang="en-US" altLang="zh-TW" dirty="0" smtClean="0">
                 <a:solidFill>
                   <a:srgbClr val="FF0000"/>
                 </a:solidFill>
@@ -11529,12 +12575,24 @@
               <a:buChar char="Ø"/>
             </a:pPr>
             <a:r>
-              <a:rPr lang="en-US" altLang="zh-TW" dirty="0" smtClean="0"/>
-              <a:t>//</a:t>
-            </a:r>
-            <a:r>
-              <a:rPr lang="zh-TW" altLang="en-US" dirty="0" smtClean="0"/>
-              <a:t>將  </a:t>
+              <a:rPr lang="en-US" altLang="zh-TW" dirty="0"/>
+              <a:t>// </a:t>
+            </a:r>
+            <a:r>
+              <a:rPr lang="zh-TW" altLang="en-US" dirty="0"/>
+              <a:t>將</a:t>
+            </a:r>
+            <a:r>
+              <a:rPr lang="en-US" altLang="zh-TW" dirty="0" err="1"/>
+              <a:t>myJSONstr</a:t>
+            </a:r>
+            <a:r>
+              <a:rPr lang="en-US" altLang="zh-TW" dirty="0"/>
+              <a:t> </a:t>
+            </a:r>
+            <a:r>
+              <a:rPr lang="zh-TW" altLang="en-US" dirty="0"/>
+              <a:t>字串轉換成 </a:t>
             </a:r>
             <a:r>
               <a:rPr lang="en-US" altLang="zh-TW" dirty="0" err="1"/>
@@ -11545,21 +12603,15 @@
               <a:t> </a:t>
             </a:r>
             <a:r>
-              <a:rPr lang="zh-TW" altLang="en-US" dirty="0" smtClean="0"/>
+              <a:rPr lang="zh-TW" altLang="en-US" dirty="0"/>
               <a:t>物件</a:t>
             </a:r>
-            <a:r>
-              <a:rPr lang="zh-TW" altLang="en-US" dirty="0"/>
-              <a:t>轉換</a:t>
-            </a:r>
-            <a:r>
-              <a:rPr lang="zh-TW" altLang="en-US" dirty="0" smtClean="0"/>
-              <a:t>成 </a:t>
-            </a:r>
-            <a:r>
-              <a:rPr lang="en-US" altLang="zh-TW" dirty="0" err="1" smtClean="0"/>
-              <a:t>myJSONstr</a:t>
-            </a:r>
+          </a:p>
+          <a:p>
+            <a:pPr>
+              <a:buFont typeface="Wingdings" pitchFamily="2" charset="2"/>
+              <a:buChar char="Ø"/>
+            </a:pPr>
             <a:endParaRPr lang="en-US" altLang="zh-TW" dirty="0" smtClean="0"/>
           </a:p>
         </p:txBody>
@@ -11567,7 +12619,7 @@
     </p:spTree>
     <p:extLst>
       <p:ext uri="{BB962C8B-B14F-4D97-AF65-F5344CB8AC3E}">
-        <p14:creationId xmlns:p14="http://schemas.microsoft.com/office/powerpoint/2010/main" val="131931326"/>
+        <p14:creationId xmlns:p14="http://schemas.microsoft.com/office/powerpoint/2010/main" val="1784304014"/>
       </p:ext>
     </p:extLst>
   </p:cSld>
